--- a/Entregaveis/Mapa de empatia.pptx
+++ b/Entregaveis/Mapa de empatia.pptx
@@ -104,6 +104,11 @@
       </a:defRPr>
     </a:lvl9pPr>
   </p:defaultTextStyle>
+  <p:extLst>
+    <p:ext uri="{EFAFB233-063F-42B5-8137-9DF3F51BA10A}">
+      <p15:sldGuideLst xmlns:p15="http://schemas.microsoft.com/office/powerpoint/2012/main"/>
+    </p:ext>
+  </p:extLst>
 </p:presentation>
 </file>
 
@@ -254,7 +259,7 @@
           <a:p>
             <a:fld id="{06719BCB-EF0A-47AA-89CB-62FB741C90B7}" type="datetimeFigureOut">
               <a:rPr lang="pt-BR" smtClean="0"/>
-              <a:t>04/03/2022</a:t>
+              <a:t>09/03/2022</a:t>
             </a:fld>
             <a:endParaRPr lang="pt-BR"/>
           </a:p>
@@ -452,7 +457,7 @@
           <a:p>
             <a:fld id="{06719BCB-EF0A-47AA-89CB-62FB741C90B7}" type="datetimeFigureOut">
               <a:rPr lang="pt-BR" smtClean="0"/>
-              <a:t>04/03/2022</a:t>
+              <a:t>09/03/2022</a:t>
             </a:fld>
             <a:endParaRPr lang="pt-BR"/>
           </a:p>
@@ -660,7 +665,7 @@
           <a:p>
             <a:fld id="{06719BCB-EF0A-47AA-89CB-62FB741C90B7}" type="datetimeFigureOut">
               <a:rPr lang="pt-BR" smtClean="0"/>
-              <a:t>04/03/2022</a:t>
+              <a:t>09/03/2022</a:t>
             </a:fld>
             <a:endParaRPr lang="pt-BR"/>
           </a:p>
@@ -858,7 +863,7 @@
           <a:p>
             <a:fld id="{06719BCB-EF0A-47AA-89CB-62FB741C90B7}" type="datetimeFigureOut">
               <a:rPr lang="pt-BR" smtClean="0"/>
-              <a:t>04/03/2022</a:t>
+              <a:t>09/03/2022</a:t>
             </a:fld>
             <a:endParaRPr lang="pt-BR"/>
           </a:p>
@@ -1133,7 +1138,7 @@
           <a:p>
             <a:fld id="{06719BCB-EF0A-47AA-89CB-62FB741C90B7}" type="datetimeFigureOut">
               <a:rPr lang="pt-BR" smtClean="0"/>
-              <a:t>04/03/2022</a:t>
+              <a:t>09/03/2022</a:t>
             </a:fld>
             <a:endParaRPr lang="pt-BR"/>
           </a:p>
@@ -1398,7 +1403,7 @@
           <a:p>
             <a:fld id="{06719BCB-EF0A-47AA-89CB-62FB741C90B7}" type="datetimeFigureOut">
               <a:rPr lang="pt-BR" smtClean="0"/>
-              <a:t>04/03/2022</a:t>
+              <a:t>09/03/2022</a:t>
             </a:fld>
             <a:endParaRPr lang="pt-BR"/>
           </a:p>
@@ -1810,7 +1815,7 @@
           <a:p>
             <a:fld id="{06719BCB-EF0A-47AA-89CB-62FB741C90B7}" type="datetimeFigureOut">
               <a:rPr lang="pt-BR" smtClean="0"/>
-              <a:t>04/03/2022</a:t>
+              <a:t>09/03/2022</a:t>
             </a:fld>
             <a:endParaRPr lang="pt-BR"/>
           </a:p>
@@ -1951,7 +1956,7 @@
           <a:p>
             <a:fld id="{06719BCB-EF0A-47AA-89CB-62FB741C90B7}" type="datetimeFigureOut">
               <a:rPr lang="pt-BR" smtClean="0"/>
-              <a:t>04/03/2022</a:t>
+              <a:t>09/03/2022</a:t>
             </a:fld>
             <a:endParaRPr lang="pt-BR"/>
           </a:p>
@@ -2064,7 +2069,7 @@
           <a:p>
             <a:fld id="{06719BCB-EF0A-47AA-89CB-62FB741C90B7}" type="datetimeFigureOut">
               <a:rPr lang="pt-BR" smtClean="0"/>
-              <a:t>04/03/2022</a:t>
+              <a:t>09/03/2022</a:t>
             </a:fld>
             <a:endParaRPr lang="pt-BR"/>
           </a:p>
@@ -2375,7 +2380,7 @@
           <a:p>
             <a:fld id="{06719BCB-EF0A-47AA-89CB-62FB741C90B7}" type="datetimeFigureOut">
               <a:rPr lang="pt-BR" smtClean="0"/>
-              <a:t>04/03/2022</a:t>
+              <a:t>09/03/2022</a:t>
             </a:fld>
             <a:endParaRPr lang="pt-BR"/>
           </a:p>
@@ -2663,7 +2668,7 @@
           <a:p>
             <a:fld id="{06719BCB-EF0A-47AA-89CB-62FB741C90B7}" type="datetimeFigureOut">
               <a:rPr lang="pt-BR" smtClean="0"/>
-              <a:t>04/03/2022</a:t>
+              <a:t>09/03/2022</a:t>
             </a:fld>
             <a:endParaRPr lang="pt-BR"/>
           </a:p>
@@ -2904,7 +2909,7 @@
           <a:p>
             <a:fld id="{06719BCB-EF0A-47AA-89CB-62FB741C90B7}" type="datetimeFigureOut">
               <a:rPr lang="pt-BR" smtClean="0"/>
-              <a:t>04/03/2022</a:t>
+              <a:t>09/03/2022</a:t>
             </a:fld>
             <a:endParaRPr lang="pt-BR"/>
           </a:p>
@@ -3323,10 +3328,10 @@
       </p:grpSpPr>
       <p:grpSp>
         <p:nvGrpSpPr>
-          <p:cNvPr id="16" name="Agrupar 15">
-            <a:extLst>
-              <a:ext uri="{FF2B5EF4-FFF2-40B4-BE49-F238E27FC236}">
-                <a16:creationId xmlns:a16="http://schemas.microsoft.com/office/drawing/2014/main" id="{A8FC365C-33FD-45DB-B652-3B1B400FD50A}"/>
+          <p:cNvPr id="7" name="Agrupar 6">
+            <a:extLst>
+              <a:ext uri="{FF2B5EF4-FFF2-40B4-BE49-F238E27FC236}">
+                <a16:creationId xmlns:a16="http://schemas.microsoft.com/office/drawing/2014/main" id="{5B805EF9-F38B-4422-959E-960B93D2914E}"/>
               </a:ext>
             </a:extLst>
           </p:cNvPr>
@@ -3335,54 +3340,677 @@
         </p:nvGrpSpPr>
         <p:grpSpPr>
           <a:xfrm>
-            <a:off x="1949964" y="919734"/>
-            <a:ext cx="8172589" cy="5655365"/>
-            <a:chOff x="1949964" y="919734"/>
-            <a:chExt cx="8172589" cy="5655365"/>
+            <a:off x="1419082" y="-20767"/>
+            <a:ext cx="9950883" cy="6878767"/>
+            <a:chOff x="1419082" y="-20767"/>
+            <a:chExt cx="9950883" cy="6878767"/>
           </a:xfrm>
         </p:grpSpPr>
-        <p:pic>
-          <p:nvPicPr>
-            <p:cNvPr id="17" name="Imagem 16" descr="Uma imagem contendo texto, mapa&#10;&#10;Descrição gerada automaticamente">
+        <p:grpSp>
+          <p:nvGrpSpPr>
+            <p:cNvPr id="16" name="Agrupar 15">
               <a:extLst>
                 <a:ext uri="{FF2B5EF4-FFF2-40B4-BE49-F238E27FC236}">
-                  <a16:creationId xmlns:a16="http://schemas.microsoft.com/office/drawing/2014/main" id="{5A0BB120-06F2-47AD-94ED-002511BB9A1A}"/>
+                  <a16:creationId xmlns:a16="http://schemas.microsoft.com/office/drawing/2014/main" id="{A8FC365C-33FD-45DB-B652-3B1B400FD50A}"/>
                 </a:ext>
               </a:extLst>
             </p:cNvPr>
-            <p:cNvPicPr>
-              <a:picLocks noChangeAspect="1"/>
-            </p:cNvPicPr>
+            <p:cNvGrpSpPr/>
             <p:nvPr/>
-          </p:nvPicPr>
-          <p:blipFill>
-            <a:blip r:embed="rId2" cstate="email">
-              <a:extLst>
-                <a:ext uri="{28A0092B-C50C-407E-A947-70E740481C1C}">
-                  <a14:useLocalDpi xmlns:a14="http://schemas.microsoft.com/office/drawing/2010/main"/>
-                </a:ext>
-              </a:extLst>
-            </a:blip>
-            <a:stretch>
-              <a:fillRect/>
-            </a:stretch>
-          </p:blipFill>
-          <p:spPr>
+          </p:nvGrpSpPr>
+          <p:grpSpPr>
             <a:xfrm>
-              <a:off x="1949964" y="919734"/>
-              <a:ext cx="7999223" cy="5655365"/>
+              <a:off x="1419082" y="267546"/>
+              <a:ext cx="9950883" cy="6590454"/>
+              <a:chOff x="1391372" y="336819"/>
+              <a:chExt cx="9191805" cy="6498508"/>
             </a:xfrm>
-            <a:prstGeom prst="rect">
-              <a:avLst/>
-            </a:prstGeom>
-          </p:spPr>
-        </p:pic>
+          </p:grpSpPr>
+          <p:pic>
+            <p:nvPicPr>
+              <p:cNvPr id="17" name="Imagem 16" descr="Uma imagem contendo texto, mapa&#10;&#10;Descrição gerada automaticamente">
+                <a:extLst>
+                  <a:ext uri="{FF2B5EF4-FFF2-40B4-BE49-F238E27FC236}">
+                    <a16:creationId xmlns:a16="http://schemas.microsoft.com/office/drawing/2014/main" id="{5A0BB120-06F2-47AD-94ED-002511BB9A1A}"/>
+                  </a:ext>
+                </a:extLst>
+              </p:cNvPr>
+              <p:cNvPicPr>
+                <a:picLocks noChangeAspect="1"/>
+              </p:cNvPicPr>
+              <p:nvPr/>
+            </p:nvPicPr>
+            <p:blipFill>
+              <a:blip r:embed="rId2" cstate="email">
+                <a:extLst>
+                  <a:ext uri="{28A0092B-C50C-407E-A947-70E740481C1C}">
+                    <a14:useLocalDpi xmlns:a14="http://schemas.microsoft.com/office/drawing/2010/main"/>
+                  </a:ext>
+                </a:extLst>
+              </a:blip>
+              <a:stretch>
+                <a:fillRect/>
+              </a:stretch>
+            </p:blipFill>
+            <p:spPr>
+              <a:xfrm>
+                <a:off x="1391372" y="336819"/>
+                <a:ext cx="9191805" cy="6498508"/>
+              </a:xfrm>
+              <a:prstGeom prst="rect">
+                <a:avLst/>
+              </a:prstGeom>
+            </p:spPr>
+          </p:pic>
+          <p:sp>
+            <p:nvSpPr>
+              <p:cNvPr id="18" name="CaixaDeTexto 17">
+                <a:extLst>
+                  <a:ext uri="{FF2B5EF4-FFF2-40B4-BE49-F238E27FC236}">
+                    <a16:creationId xmlns:a16="http://schemas.microsoft.com/office/drawing/2014/main" id="{BF243DDD-74EC-42A0-A550-9EFF819551B1}"/>
+                  </a:ext>
+                </a:extLst>
+              </p:cNvPr>
+              <p:cNvSpPr txBox="1"/>
+              <p:nvPr/>
+            </p:nvSpPr>
+            <p:spPr>
+              <a:xfrm>
+                <a:off x="2519797" y="416479"/>
+                <a:ext cx="708848" cy="338554"/>
+              </a:xfrm>
+              <a:prstGeom prst="rect">
+                <a:avLst/>
+              </a:prstGeom>
+              <a:noFill/>
+            </p:spPr>
+            <p:txBody>
+              <a:bodyPr wrap="square" rtlCol="0">
+                <a:spAutoFit/>
+              </a:bodyPr>
+              <a:lstStyle/>
+              <a:p>
+                <a:r>
+                  <a:rPr lang="pt-BR" sz="1600" dirty="0"/>
+                  <a:t>Jorge</a:t>
+                </a:r>
+              </a:p>
+            </p:txBody>
+          </p:sp>
+          <p:sp>
+            <p:nvSpPr>
+              <p:cNvPr id="19" name="CaixaDeTexto 18">
+                <a:extLst>
+                  <a:ext uri="{FF2B5EF4-FFF2-40B4-BE49-F238E27FC236}">
+                    <a16:creationId xmlns:a16="http://schemas.microsoft.com/office/drawing/2014/main" id="{B2156156-2DB8-43B1-8002-6F04CEAE249B}"/>
+                  </a:ext>
+                </a:extLst>
+              </p:cNvPr>
+              <p:cNvSpPr txBox="1"/>
+              <p:nvPr/>
+            </p:nvSpPr>
+            <p:spPr>
+              <a:xfrm>
+                <a:off x="4907903" y="441879"/>
+                <a:ext cx="401072" cy="338554"/>
+              </a:xfrm>
+              <a:prstGeom prst="rect">
+                <a:avLst/>
+              </a:prstGeom>
+              <a:noFill/>
+            </p:spPr>
+            <p:txBody>
+              <a:bodyPr wrap="none" rtlCol="0">
+                <a:spAutoFit/>
+              </a:bodyPr>
+              <a:lstStyle/>
+              <a:p>
+                <a:r>
+                  <a:rPr lang="pt-BR" sz="1600" dirty="0"/>
+                  <a:t>25</a:t>
+                </a:r>
+              </a:p>
+            </p:txBody>
+          </p:sp>
+          <p:sp>
+            <p:nvSpPr>
+              <p:cNvPr id="20" name="CaixaDeTexto 19">
+                <a:extLst>
+                  <a:ext uri="{FF2B5EF4-FFF2-40B4-BE49-F238E27FC236}">
+                    <a16:creationId xmlns:a16="http://schemas.microsoft.com/office/drawing/2014/main" id="{61ACB11D-950C-480F-8553-1D07A4EF93BC}"/>
+                  </a:ext>
+                </a:extLst>
+              </p:cNvPr>
+              <p:cNvSpPr txBox="1"/>
+              <p:nvPr/>
+            </p:nvSpPr>
+            <p:spPr>
+              <a:xfrm>
+                <a:off x="3254467" y="1663895"/>
+                <a:ext cx="231154" cy="369332"/>
+              </a:xfrm>
+              <a:prstGeom prst="rect">
+                <a:avLst/>
+              </a:prstGeom>
+              <a:noFill/>
+            </p:spPr>
+            <p:txBody>
+              <a:bodyPr wrap="none" rtlCol="0">
+                <a:spAutoFit/>
+              </a:bodyPr>
+              <a:lstStyle/>
+              <a:p>
+                <a:r>
+                  <a:rPr lang="pt-BR" dirty="0"/>
+                  <a:t> </a:t>
+                </a:r>
+              </a:p>
+            </p:txBody>
+          </p:sp>
+          <p:sp>
+            <p:nvSpPr>
+              <p:cNvPr id="22" name="CaixaDeTexto 21">
+                <a:extLst>
+                  <a:ext uri="{FF2B5EF4-FFF2-40B4-BE49-F238E27FC236}">
+                    <a16:creationId xmlns:a16="http://schemas.microsoft.com/office/drawing/2014/main" id="{0DF2BC3B-99E5-4855-8B56-EBAEE50B9C93}"/>
+                  </a:ext>
+                </a:extLst>
+              </p:cNvPr>
+              <p:cNvSpPr txBox="1"/>
+              <p:nvPr/>
+            </p:nvSpPr>
+            <p:spPr>
+              <a:xfrm>
+                <a:off x="7361463" y="1436337"/>
+                <a:ext cx="231154" cy="369332"/>
+              </a:xfrm>
+              <a:prstGeom prst="rect">
+                <a:avLst/>
+              </a:prstGeom>
+              <a:noFill/>
+            </p:spPr>
+            <p:txBody>
+              <a:bodyPr wrap="none" rtlCol="0">
+                <a:spAutoFit/>
+              </a:bodyPr>
+              <a:lstStyle/>
+              <a:p>
+                <a:r>
+                  <a:rPr lang="pt-BR" dirty="0"/>
+                  <a:t> </a:t>
+                </a:r>
+              </a:p>
+            </p:txBody>
+          </p:sp>
+          <p:sp>
+            <p:nvSpPr>
+              <p:cNvPr id="23" name="CaixaDeTexto 22">
+                <a:extLst>
+                  <a:ext uri="{FF2B5EF4-FFF2-40B4-BE49-F238E27FC236}">
+                    <a16:creationId xmlns:a16="http://schemas.microsoft.com/office/drawing/2014/main" id="{02E6210A-483E-4233-9497-AB6C256D8E16}"/>
+                  </a:ext>
+                </a:extLst>
+              </p:cNvPr>
+              <p:cNvSpPr txBox="1"/>
+              <p:nvPr/>
+            </p:nvSpPr>
+            <p:spPr>
+              <a:xfrm>
+                <a:off x="2955689" y="945288"/>
+                <a:ext cx="2510151" cy="728359"/>
+              </a:xfrm>
+              <a:prstGeom prst="rect">
+                <a:avLst/>
+              </a:prstGeom>
+              <a:noFill/>
+            </p:spPr>
+            <p:txBody>
+              <a:bodyPr wrap="square" rtlCol="0">
+                <a:spAutoFit/>
+              </a:bodyPr>
+              <a:lstStyle/>
+              <a:p>
+                <a:r>
+                  <a:rPr lang="pt-BR" sz="1400" dirty="0"/>
+                  <a:t>Pensa em ter autonomia e sente que precisa de responsabilidade para alcançar o seu objetivo.</a:t>
+                </a:r>
+              </a:p>
+            </p:txBody>
+          </p:sp>
+          <p:sp>
+            <p:nvSpPr>
+              <p:cNvPr id="30" name="CaixaDeTexto 29">
+                <a:extLst>
+                  <a:ext uri="{FF2B5EF4-FFF2-40B4-BE49-F238E27FC236}">
+                    <a16:creationId xmlns:a16="http://schemas.microsoft.com/office/drawing/2014/main" id="{78FBBE18-07A4-49B5-87F9-ED5CC45EEE63}"/>
+                  </a:ext>
+                </a:extLst>
+              </p:cNvPr>
+              <p:cNvSpPr txBox="1"/>
+              <p:nvPr/>
+            </p:nvSpPr>
+            <p:spPr>
+              <a:xfrm>
+                <a:off x="1659626" y="1495582"/>
+                <a:ext cx="1594841" cy="273134"/>
+              </a:xfrm>
+              <a:prstGeom prst="rect">
+                <a:avLst/>
+              </a:prstGeom>
+              <a:noFill/>
+            </p:spPr>
+            <p:txBody>
+              <a:bodyPr wrap="square" rtlCol="0">
+                <a:spAutoFit/>
+              </a:bodyPr>
+              <a:lstStyle/>
+              <a:p>
+                <a:endParaRPr lang="pt-BR" sz="1200" dirty="0">
+                  <a:latin typeface="Barlow (Corpo)"/>
+                </a:endParaRPr>
+              </a:p>
+            </p:txBody>
+          </p:sp>
+          <p:sp>
+            <p:nvSpPr>
+              <p:cNvPr id="31" name="CaixaDeTexto 30">
+                <a:extLst>
+                  <a:ext uri="{FF2B5EF4-FFF2-40B4-BE49-F238E27FC236}">
+                    <a16:creationId xmlns:a16="http://schemas.microsoft.com/office/drawing/2014/main" id="{B9325495-667B-4055-A4BE-68C6F6766A47}"/>
+                  </a:ext>
+                </a:extLst>
+              </p:cNvPr>
+              <p:cNvSpPr txBox="1"/>
+              <p:nvPr/>
+            </p:nvSpPr>
+            <p:spPr>
+              <a:xfrm>
+                <a:off x="2855818" y="3564146"/>
+                <a:ext cx="1757518" cy="637314"/>
+              </a:xfrm>
+              <a:prstGeom prst="rect">
+                <a:avLst/>
+              </a:prstGeom>
+              <a:noFill/>
+            </p:spPr>
+            <p:txBody>
+              <a:bodyPr wrap="square" rtlCol="0">
+                <a:spAutoFit/>
+              </a:bodyPr>
+              <a:lstStyle/>
+              <a:p>
+                <a:r>
+                  <a:rPr lang="pt-BR" sz="1200" b="0" i="0" dirty="0">
+                    <a:solidFill>
+                      <a:srgbClr val="000000"/>
+                    </a:solidFill>
+                    <a:effectLst/>
+                    <a:latin typeface="Barlow (Corpo)"/>
+                  </a:rPr>
+                  <a:t>Podcasts derivados, sobre o mundo, mídia, entre outros</a:t>
+                </a:r>
+                <a:endParaRPr lang="pt-BR" sz="1200" dirty="0">
+                  <a:latin typeface="Barlow (Corpo)"/>
+                </a:endParaRPr>
+              </a:p>
+            </p:txBody>
+          </p:sp>
+          <p:sp>
+            <p:nvSpPr>
+              <p:cNvPr id="34" name="CaixaDeTexto 33">
+                <a:extLst>
+                  <a:ext uri="{FF2B5EF4-FFF2-40B4-BE49-F238E27FC236}">
+                    <a16:creationId xmlns:a16="http://schemas.microsoft.com/office/drawing/2014/main" id="{2A53BA13-2C84-4F56-9E55-4F47186AB726}"/>
+                  </a:ext>
+                </a:extLst>
+              </p:cNvPr>
+              <p:cNvSpPr txBox="1"/>
+              <p:nvPr/>
+            </p:nvSpPr>
+            <p:spPr>
+              <a:xfrm>
+                <a:off x="1651860" y="2926832"/>
+                <a:ext cx="2017235" cy="637314"/>
+              </a:xfrm>
+              <a:prstGeom prst="rect">
+                <a:avLst/>
+              </a:prstGeom>
+              <a:noFill/>
+            </p:spPr>
+            <p:txBody>
+              <a:bodyPr wrap="square" rtlCol="0">
+                <a:spAutoFit/>
+              </a:bodyPr>
+              <a:lstStyle/>
+              <a:p>
+                <a:r>
+                  <a:rPr lang="pt-BR" sz="1200" dirty="0">
+                    <a:latin typeface="Barlow (Corpo)"/>
+                  </a:rPr>
+                  <a:t>Conselhos sobre relacionamentos, e família da parte de seus amigos</a:t>
+                </a:r>
+              </a:p>
+            </p:txBody>
+          </p:sp>
+          <p:sp>
+            <p:nvSpPr>
+              <p:cNvPr id="35" name="CaixaDeTexto 34">
+                <a:extLst>
+                  <a:ext uri="{FF2B5EF4-FFF2-40B4-BE49-F238E27FC236}">
+                    <a16:creationId xmlns:a16="http://schemas.microsoft.com/office/drawing/2014/main" id="{43A11A75-2A49-4963-8881-BCEABA96A2A7}"/>
+                  </a:ext>
+                </a:extLst>
+              </p:cNvPr>
+              <p:cNvSpPr txBox="1"/>
+              <p:nvPr/>
+            </p:nvSpPr>
+            <p:spPr>
+              <a:xfrm>
+                <a:off x="1682662" y="3847017"/>
+                <a:ext cx="1371680" cy="1015663"/>
+              </a:xfrm>
+              <a:prstGeom prst="rect">
+                <a:avLst/>
+              </a:prstGeom>
+              <a:noFill/>
+            </p:spPr>
+            <p:txBody>
+              <a:bodyPr wrap="square" rtlCol="0">
+                <a:spAutoFit/>
+              </a:bodyPr>
+              <a:lstStyle/>
+              <a:p>
+                <a:r>
+                  <a:rPr lang="pt-BR" sz="1200" b="0" i="0" dirty="0">
+                    <a:solidFill>
+                      <a:srgbClr val="000000"/>
+                    </a:solidFill>
+                    <a:effectLst/>
+                    <a:latin typeface="Calibri" panose="020F0502020204030204" pitchFamily="34" charset="0"/>
+                  </a:rPr>
+                  <a:t>Elogios, que é esforçado, prestativo, porém, muito preocupado com as coisas </a:t>
+                </a:r>
+                <a:endParaRPr lang="pt-BR" sz="1200" dirty="0"/>
+              </a:p>
+            </p:txBody>
+          </p:sp>
+          <p:sp>
+            <p:nvSpPr>
+              <p:cNvPr id="40" name="CaixaDeTexto 39">
+                <a:extLst>
+                  <a:ext uri="{FF2B5EF4-FFF2-40B4-BE49-F238E27FC236}">
+                    <a16:creationId xmlns:a16="http://schemas.microsoft.com/office/drawing/2014/main" id="{08ECDBD3-E2BC-4115-8D5A-A5BB1B0857BA}"/>
+                  </a:ext>
+                </a:extLst>
+              </p:cNvPr>
+              <p:cNvSpPr txBox="1"/>
+              <p:nvPr/>
+            </p:nvSpPr>
+            <p:spPr>
+              <a:xfrm>
+                <a:off x="8404859" y="3848546"/>
+                <a:ext cx="1639455" cy="667661"/>
+              </a:xfrm>
+              <a:prstGeom prst="rect">
+                <a:avLst/>
+              </a:prstGeom>
+              <a:noFill/>
+            </p:spPr>
+            <p:txBody>
+              <a:bodyPr wrap="none" rtlCol="0">
+                <a:spAutoFit/>
+              </a:bodyPr>
+              <a:lstStyle/>
+              <a:p>
+                <a:r>
+                  <a:rPr lang="pt-BR" sz="1200" b="0" i="0" dirty="0">
+                    <a:effectLst/>
+                    <a:latin typeface="Barlow (Corpo)"/>
+                  </a:rPr>
+                  <a:t>Jovens da mesma idade</a:t>
+                </a:r>
+              </a:p>
+              <a:p>
+                <a:r>
+                  <a:rPr lang="pt-BR" sz="1200" dirty="0">
+                    <a:latin typeface="Barlow (Corpo)"/>
+                  </a:rPr>
+                  <a:t>aos fins de semana</a:t>
+                </a:r>
+                <a:r>
+                  <a:rPr lang="pt-BR" sz="1200" b="0" i="0" dirty="0">
+                    <a:effectLst/>
+                    <a:latin typeface="Barlow (Corpo)"/>
+                  </a:rPr>
+                  <a:t> </a:t>
+                </a:r>
+                <a:br>
+                  <a:rPr lang="pt-BR" sz="1400" dirty="0">
+                    <a:latin typeface="Barlow (Corpo)"/>
+                  </a:rPr>
+                </a:br>
+                <a:endParaRPr lang="pt-BR" sz="1400" dirty="0">
+                  <a:latin typeface="Barlow (Corpo)"/>
+                </a:endParaRPr>
+              </a:p>
+            </p:txBody>
+          </p:sp>
+          <p:sp>
+            <p:nvSpPr>
+              <p:cNvPr id="41" name="CaixaDeTexto 40">
+                <a:extLst>
+                  <a:ext uri="{FF2B5EF4-FFF2-40B4-BE49-F238E27FC236}">
+                    <a16:creationId xmlns:a16="http://schemas.microsoft.com/office/drawing/2014/main" id="{5ED22282-44E8-4FFC-BFBB-2D3A37D7E58A}"/>
+                  </a:ext>
+                </a:extLst>
+              </p:cNvPr>
+              <p:cNvSpPr txBox="1"/>
+              <p:nvPr/>
+            </p:nvSpPr>
+            <p:spPr>
+              <a:xfrm>
+                <a:off x="7377159" y="2534599"/>
+                <a:ext cx="2780191" cy="515920"/>
+              </a:xfrm>
+              <a:prstGeom prst="rect">
+                <a:avLst/>
+              </a:prstGeom>
+              <a:noFill/>
+            </p:spPr>
+            <p:txBody>
+              <a:bodyPr wrap="square" rtlCol="0">
+                <a:spAutoFit/>
+              </a:bodyPr>
+              <a:lstStyle/>
+              <a:p>
+                <a:r>
+                  <a:rPr lang="pt-BR" sz="1400" dirty="0">
+                    <a:latin typeface="Barlow (Corpo)"/>
+                  </a:rPr>
+                  <a:t>Livros, documentários e vídeos da faculdade.</a:t>
+                </a:r>
+              </a:p>
+            </p:txBody>
+          </p:sp>
+          <p:sp>
+            <p:nvSpPr>
+              <p:cNvPr id="42" name="CaixaDeTexto 41">
+                <a:extLst>
+                  <a:ext uri="{FF2B5EF4-FFF2-40B4-BE49-F238E27FC236}">
+                    <a16:creationId xmlns:a16="http://schemas.microsoft.com/office/drawing/2014/main" id="{CBDAD9C4-B907-46EC-938C-394BBA02831A}"/>
+                  </a:ext>
+                </a:extLst>
+              </p:cNvPr>
+              <p:cNvSpPr txBox="1"/>
+              <p:nvPr/>
+            </p:nvSpPr>
+            <p:spPr>
+              <a:xfrm>
+                <a:off x="8302908" y="1882612"/>
+                <a:ext cx="2016899" cy="515920"/>
+              </a:xfrm>
+              <a:prstGeom prst="rect">
+                <a:avLst/>
+              </a:prstGeom>
+              <a:noFill/>
+            </p:spPr>
+            <p:txBody>
+              <a:bodyPr wrap="square" rtlCol="0">
+                <a:spAutoFit/>
+              </a:bodyPr>
+              <a:lstStyle/>
+              <a:p>
+                <a:r>
+                  <a:rPr lang="pt-BR" sz="1400" dirty="0"/>
+                  <a:t>Memes na internet  para descontrair</a:t>
+                </a:r>
+              </a:p>
+            </p:txBody>
+          </p:sp>
+          <p:sp>
+            <p:nvSpPr>
+              <p:cNvPr id="43" name="CaixaDeTexto 42">
+                <a:extLst>
+                  <a:ext uri="{FF2B5EF4-FFF2-40B4-BE49-F238E27FC236}">
+                    <a16:creationId xmlns:a16="http://schemas.microsoft.com/office/drawing/2014/main" id="{3CDB8721-492C-4EE6-8E9B-8AB3822EB25B}"/>
+                  </a:ext>
+                </a:extLst>
+              </p:cNvPr>
+              <p:cNvSpPr txBox="1"/>
+              <p:nvPr/>
+            </p:nvSpPr>
+            <p:spPr>
+              <a:xfrm>
+                <a:off x="7356110" y="3133670"/>
+                <a:ext cx="2859925" cy="303483"/>
+              </a:xfrm>
+              <a:prstGeom prst="rect">
+                <a:avLst/>
+              </a:prstGeom>
+              <a:noFill/>
+            </p:spPr>
+            <p:txBody>
+              <a:bodyPr wrap="none" rtlCol="0">
+                <a:spAutoFit/>
+              </a:bodyPr>
+              <a:lstStyle/>
+              <a:p>
+                <a:r>
+                  <a:rPr lang="pt-BR" sz="1400" dirty="0"/>
+                  <a:t>Um ambiente de trabalho descontraído </a:t>
+                </a:r>
+              </a:p>
+            </p:txBody>
+          </p:sp>
+          <p:sp>
+            <p:nvSpPr>
+              <p:cNvPr id="47" name="CaixaDeTexto 46">
+                <a:extLst>
+                  <a:ext uri="{FF2B5EF4-FFF2-40B4-BE49-F238E27FC236}">
+                    <a16:creationId xmlns:a16="http://schemas.microsoft.com/office/drawing/2014/main" id="{5140AE80-B339-4FC4-8EFA-738773C33530}"/>
+                  </a:ext>
+                </a:extLst>
+              </p:cNvPr>
+              <p:cNvSpPr txBox="1"/>
+              <p:nvPr/>
+            </p:nvSpPr>
+            <p:spPr>
+              <a:xfrm>
+                <a:off x="7305723" y="6036808"/>
+                <a:ext cx="170639" cy="576617"/>
+              </a:xfrm>
+              <a:prstGeom prst="rect">
+                <a:avLst/>
+              </a:prstGeom>
+              <a:noFill/>
+            </p:spPr>
+            <p:txBody>
+              <a:bodyPr wrap="none" rtlCol="0">
+                <a:spAutoFit/>
+              </a:bodyPr>
+              <a:lstStyle/>
+              <a:p>
+                <a:endParaRPr lang="pt-BR" sz="1400" b="0" i="0" dirty="0">
+                  <a:solidFill>
+                    <a:srgbClr val="000000"/>
+                  </a:solidFill>
+                  <a:effectLst/>
+                  <a:latin typeface="Barlow (Corpo)"/>
+                </a:endParaRPr>
+              </a:p>
+              <a:p>
+                <a:endParaRPr lang="pt-BR" dirty="0"/>
+              </a:p>
+            </p:txBody>
+          </p:sp>
+          <p:sp>
+            <p:nvSpPr>
+              <p:cNvPr id="49" name="CaixaDeTexto 48">
+                <a:extLst>
+                  <a:ext uri="{FF2B5EF4-FFF2-40B4-BE49-F238E27FC236}">
+                    <a16:creationId xmlns:a16="http://schemas.microsoft.com/office/drawing/2014/main" id="{BA3318CE-4296-4E20-8A8B-1FBF64B006D0}"/>
+                  </a:ext>
+                </a:extLst>
+              </p:cNvPr>
+              <p:cNvSpPr txBox="1"/>
+              <p:nvPr/>
+            </p:nvSpPr>
+            <p:spPr>
+              <a:xfrm>
+                <a:off x="6012692" y="5616745"/>
+                <a:ext cx="4332889" cy="940796"/>
+              </a:xfrm>
+              <a:prstGeom prst="rect">
+                <a:avLst/>
+              </a:prstGeom>
+              <a:noFill/>
+            </p:spPr>
+            <p:txBody>
+              <a:bodyPr wrap="none" rtlCol="0">
+                <a:spAutoFit/>
+              </a:bodyPr>
+              <a:lstStyle/>
+              <a:p>
+                <a:r>
+                  <a:rPr lang="pt-BR" sz="1400" dirty="0">
+                    <a:latin typeface="Barlow (Corpo)"/>
+                  </a:rPr>
+                  <a:t>Crescer profissionalmente na área que atua</a:t>
+                </a:r>
+              </a:p>
+              <a:p>
+                <a:r>
+                  <a:rPr lang="pt-BR" sz="1400" dirty="0">
+                    <a:latin typeface="Barlow (Corpo)"/>
+                  </a:rPr>
+                  <a:t>Ser independente e ter mais responsabilidades</a:t>
+                </a:r>
+              </a:p>
+              <a:p>
+                <a:r>
+                  <a:rPr lang="pt-BR" sz="1400" dirty="0">
+                    <a:latin typeface="Barlow (Corpo)"/>
+                  </a:rPr>
+                  <a:t>Terminar a faculdade, para focar no seu futuro profissional</a:t>
+                </a:r>
+              </a:p>
+              <a:p>
+                <a:r>
+                  <a:rPr lang="pt-BR" sz="1400" dirty="0">
+                    <a:latin typeface="Barlow (Corpo)"/>
+                  </a:rPr>
+                  <a:t>Tempo livre para passar com a família</a:t>
+                </a:r>
+              </a:p>
+            </p:txBody>
+          </p:sp>
+        </p:grpSp>
         <p:sp>
           <p:nvSpPr>
-            <p:cNvPr id="18" name="CaixaDeTexto 17">
+            <p:cNvPr id="58" name="CaixaDeTexto 57">
               <a:extLst>
                 <a:ext uri="{FF2B5EF4-FFF2-40B4-BE49-F238E27FC236}">
-                  <a16:creationId xmlns:a16="http://schemas.microsoft.com/office/drawing/2014/main" id="{BF243DDD-74EC-42A0-A550-9EFF819551B1}"/>
+                  <a16:creationId xmlns:a16="http://schemas.microsoft.com/office/drawing/2014/main" id="{08BED18B-F8F0-41AC-BCA6-C67B1C187EF8}"/>
                 </a:ext>
               </a:extLst>
             </p:cNvPr>
@@ -3391,358 +4019,8 @@
           </p:nvSpPr>
           <p:spPr>
             <a:xfrm>
-              <a:off x="2957805" y="998376"/>
-              <a:ext cx="708848" cy="338554"/>
-            </a:xfrm>
-            <a:prstGeom prst="rect">
-              <a:avLst/>
-            </a:prstGeom>
-            <a:noFill/>
-          </p:spPr>
-          <p:txBody>
-            <a:bodyPr wrap="none" rtlCol="0">
-              <a:spAutoFit/>
-            </a:bodyPr>
-            <a:lstStyle/>
-            <a:p>
-              <a:r>
-                <a:rPr lang="pt-BR" sz="1600" dirty="0"/>
-                <a:t>Jorge</a:t>
-              </a:r>
-            </a:p>
-          </p:txBody>
-        </p:sp>
-        <p:sp>
-          <p:nvSpPr>
-            <p:cNvPr id="19" name="CaixaDeTexto 18">
-              <a:extLst>
-                <a:ext uri="{FF2B5EF4-FFF2-40B4-BE49-F238E27FC236}">
-                  <a16:creationId xmlns:a16="http://schemas.microsoft.com/office/drawing/2014/main" id="{B2156156-2DB8-43B1-8002-6F04CEAE249B}"/>
-                </a:ext>
-              </a:extLst>
-            </p:cNvPr>
-            <p:cNvSpPr txBox="1"/>
-            <p:nvPr/>
-          </p:nvSpPr>
-          <p:spPr>
-            <a:xfrm>
-              <a:off x="4907902" y="998376"/>
-              <a:ext cx="401072" cy="338554"/>
-            </a:xfrm>
-            <a:prstGeom prst="rect">
-              <a:avLst/>
-            </a:prstGeom>
-            <a:noFill/>
-          </p:spPr>
-          <p:txBody>
-            <a:bodyPr wrap="none" rtlCol="0">
-              <a:spAutoFit/>
-            </a:bodyPr>
-            <a:lstStyle/>
-            <a:p>
-              <a:r>
-                <a:rPr lang="pt-BR" sz="1600" dirty="0"/>
-                <a:t>25</a:t>
-              </a:r>
-            </a:p>
-          </p:txBody>
-        </p:sp>
-        <p:sp>
-          <p:nvSpPr>
-            <p:cNvPr id="20" name="CaixaDeTexto 19">
-              <a:extLst>
-                <a:ext uri="{FF2B5EF4-FFF2-40B4-BE49-F238E27FC236}">
-                  <a16:creationId xmlns:a16="http://schemas.microsoft.com/office/drawing/2014/main" id="{61ACB11D-950C-480F-8553-1D07A4EF93BC}"/>
-                </a:ext>
-              </a:extLst>
-            </p:cNvPr>
-            <p:cNvSpPr txBox="1"/>
-            <p:nvPr/>
-          </p:nvSpPr>
-          <p:spPr>
-            <a:xfrm>
-              <a:off x="3254467" y="1663895"/>
-              <a:ext cx="231154" cy="369332"/>
-            </a:xfrm>
-            <a:prstGeom prst="rect">
-              <a:avLst/>
-            </a:prstGeom>
-            <a:noFill/>
-          </p:spPr>
-          <p:txBody>
-            <a:bodyPr wrap="none" rtlCol="0">
-              <a:spAutoFit/>
-            </a:bodyPr>
-            <a:lstStyle/>
-            <a:p>
-              <a:r>
-                <a:rPr lang="pt-BR" dirty="0"/>
-                <a:t> </a:t>
-              </a:r>
-            </a:p>
-          </p:txBody>
-        </p:sp>
-        <p:sp>
-          <p:nvSpPr>
-            <p:cNvPr id="21" name="CaixaDeTexto 20">
-              <a:extLst>
-                <a:ext uri="{FF2B5EF4-FFF2-40B4-BE49-F238E27FC236}">
-                  <a16:creationId xmlns:a16="http://schemas.microsoft.com/office/drawing/2014/main" id="{54F2104B-5659-4855-A714-C6D029E29218}"/>
-                </a:ext>
-              </a:extLst>
-            </p:cNvPr>
-            <p:cNvSpPr txBox="1"/>
-            <p:nvPr/>
-          </p:nvSpPr>
-          <p:spPr>
-            <a:xfrm>
-              <a:off x="3531670" y="1805669"/>
-              <a:ext cx="1582484" cy="338554"/>
-            </a:xfrm>
-            <a:prstGeom prst="rect">
-              <a:avLst/>
-            </a:prstGeom>
-            <a:noFill/>
-          </p:spPr>
-          <p:txBody>
-            <a:bodyPr wrap="none" rtlCol="0">
-              <a:spAutoFit/>
-            </a:bodyPr>
-            <a:lstStyle/>
-            <a:p>
-              <a:r>
-                <a:rPr lang="pt-BR" sz="1600" dirty="0"/>
-                <a:t>Independência </a:t>
-              </a:r>
-            </a:p>
-          </p:txBody>
-        </p:sp>
-        <p:sp>
-          <p:nvSpPr>
-            <p:cNvPr id="22" name="CaixaDeTexto 21">
-              <a:extLst>
-                <a:ext uri="{FF2B5EF4-FFF2-40B4-BE49-F238E27FC236}">
-                  <a16:creationId xmlns:a16="http://schemas.microsoft.com/office/drawing/2014/main" id="{0DF2BC3B-99E5-4855-8B56-EBAEE50B9C93}"/>
-                </a:ext>
-              </a:extLst>
-            </p:cNvPr>
-            <p:cNvSpPr txBox="1"/>
-            <p:nvPr/>
-          </p:nvSpPr>
-          <p:spPr>
-            <a:xfrm>
-              <a:off x="7361463" y="1436337"/>
-              <a:ext cx="231154" cy="369332"/>
-            </a:xfrm>
-            <a:prstGeom prst="rect">
-              <a:avLst/>
-            </a:prstGeom>
-            <a:noFill/>
-          </p:spPr>
-          <p:txBody>
-            <a:bodyPr wrap="none" rtlCol="0">
-              <a:spAutoFit/>
-            </a:bodyPr>
-            <a:lstStyle/>
-            <a:p>
-              <a:r>
-                <a:rPr lang="pt-BR" dirty="0"/>
-                <a:t> </a:t>
-              </a:r>
-            </a:p>
-          </p:txBody>
-        </p:sp>
-        <p:sp>
-          <p:nvSpPr>
-            <p:cNvPr id="23" name="CaixaDeTexto 22">
-              <a:extLst>
-                <a:ext uri="{FF2B5EF4-FFF2-40B4-BE49-F238E27FC236}">
-                  <a16:creationId xmlns:a16="http://schemas.microsoft.com/office/drawing/2014/main" id="{02E6210A-483E-4233-9497-AB6C256D8E16}"/>
-                </a:ext>
-              </a:extLst>
-            </p:cNvPr>
-            <p:cNvSpPr txBox="1"/>
-            <p:nvPr/>
-          </p:nvSpPr>
-          <p:spPr>
-            <a:xfrm>
-              <a:off x="2484968" y="1341707"/>
-              <a:ext cx="3198311" cy="338554"/>
-            </a:xfrm>
-            <a:prstGeom prst="rect">
-              <a:avLst/>
-            </a:prstGeom>
-            <a:noFill/>
-          </p:spPr>
-          <p:txBody>
-            <a:bodyPr wrap="none" rtlCol="0">
-              <a:spAutoFit/>
-            </a:bodyPr>
-            <a:lstStyle/>
-            <a:p>
-              <a:r>
-                <a:rPr lang="pt-BR" sz="1600" dirty="0"/>
-                <a:t>Ter autonomia e responsabilidade</a:t>
-              </a:r>
-            </a:p>
-          </p:txBody>
-        </p:sp>
-        <p:sp>
-          <p:nvSpPr>
-            <p:cNvPr id="24" name="CaixaDeTexto 23">
-              <a:extLst>
-                <a:ext uri="{FF2B5EF4-FFF2-40B4-BE49-F238E27FC236}">
-                  <a16:creationId xmlns:a16="http://schemas.microsoft.com/office/drawing/2014/main" id="{11C25275-038F-4F3B-AD85-0DF6813AC16A}"/>
-                </a:ext>
-              </a:extLst>
-            </p:cNvPr>
-            <p:cNvSpPr txBox="1"/>
-            <p:nvPr/>
-          </p:nvSpPr>
-          <p:spPr>
-            <a:xfrm>
-              <a:off x="7069716" y="1575539"/>
-              <a:ext cx="1996059" cy="338554"/>
-            </a:xfrm>
-            <a:prstGeom prst="rect">
-              <a:avLst/>
-            </a:prstGeom>
-            <a:noFill/>
-          </p:spPr>
-          <p:txBody>
-            <a:bodyPr wrap="none" rtlCol="0">
-              <a:spAutoFit/>
-            </a:bodyPr>
-            <a:lstStyle/>
-            <a:p>
-              <a:r>
-                <a:rPr lang="pt-BR" sz="1600" dirty="0"/>
-                <a:t>Espírito aventureiro </a:t>
-              </a:r>
-            </a:p>
-          </p:txBody>
-        </p:sp>
-        <p:sp>
-          <p:nvSpPr>
-            <p:cNvPr id="25" name="CaixaDeTexto 24">
-              <a:extLst>
-                <a:ext uri="{FF2B5EF4-FFF2-40B4-BE49-F238E27FC236}">
-                  <a16:creationId xmlns:a16="http://schemas.microsoft.com/office/drawing/2014/main" id="{A8ABEA37-D3FF-484E-9FA7-AF7D2ACE2BAA}"/>
-                </a:ext>
-              </a:extLst>
-            </p:cNvPr>
-            <p:cNvSpPr txBox="1"/>
-            <p:nvPr/>
-          </p:nvSpPr>
-          <p:spPr>
-            <a:xfrm>
-              <a:off x="6468590" y="1820045"/>
-              <a:ext cx="2016899" cy="338554"/>
-            </a:xfrm>
-            <a:prstGeom prst="rect">
-              <a:avLst/>
-            </a:prstGeom>
-            <a:noFill/>
-          </p:spPr>
-          <p:txBody>
-            <a:bodyPr wrap="none" rtlCol="0">
-              <a:spAutoFit/>
-            </a:bodyPr>
-            <a:lstStyle/>
-            <a:p>
-              <a:r>
-                <a:rPr lang="pt-BR" sz="1600" dirty="0"/>
-                <a:t>Não gosta de rotinas</a:t>
-              </a:r>
-            </a:p>
-          </p:txBody>
-        </p:sp>
-        <p:sp>
-          <p:nvSpPr>
-            <p:cNvPr id="26" name="CaixaDeTexto 25">
-              <a:extLst>
-                <a:ext uri="{FF2B5EF4-FFF2-40B4-BE49-F238E27FC236}">
-                  <a16:creationId xmlns:a16="http://schemas.microsoft.com/office/drawing/2014/main" id="{8E227D48-573E-4F25-A631-CDE8A9C2D7A8}"/>
-                </a:ext>
-              </a:extLst>
-            </p:cNvPr>
-            <p:cNvSpPr txBox="1"/>
-            <p:nvPr/>
-          </p:nvSpPr>
-          <p:spPr>
-            <a:xfrm>
-              <a:off x="6554452" y="1330118"/>
-              <a:ext cx="2978701" cy="338554"/>
-            </a:xfrm>
-            <a:prstGeom prst="rect">
-              <a:avLst/>
-            </a:prstGeom>
-            <a:noFill/>
-          </p:spPr>
-          <p:txBody>
-            <a:bodyPr wrap="none" rtlCol="0">
-              <a:spAutoFit/>
-            </a:bodyPr>
-            <a:lstStyle/>
-            <a:p>
-              <a:r>
-                <a:rPr lang="pt-BR" sz="1600" dirty="0"/>
-                <a:t>Feliz, animado e comprometido</a:t>
-              </a:r>
-            </a:p>
-          </p:txBody>
-        </p:sp>
-        <p:sp>
-          <p:nvSpPr>
-            <p:cNvPr id="27" name="CaixaDeTexto 26">
-              <a:extLst>
-                <a:ext uri="{FF2B5EF4-FFF2-40B4-BE49-F238E27FC236}">
-                  <a16:creationId xmlns:a16="http://schemas.microsoft.com/office/drawing/2014/main" id="{FD06E2B5-778B-4BD3-9B8B-1AB9B79464ED}"/>
-                </a:ext>
-              </a:extLst>
-            </p:cNvPr>
-            <p:cNvSpPr txBox="1"/>
-            <p:nvPr/>
-          </p:nvSpPr>
-          <p:spPr>
-            <a:xfrm>
-              <a:off x="4096373" y="2095703"/>
-              <a:ext cx="3781805" cy="338554"/>
-            </a:xfrm>
-            <a:prstGeom prst="rect">
-              <a:avLst/>
-            </a:prstGeom>
-            <a:noFill/>
-          </p:spPr>
-          <p:txBody>
-            <a:bodyPr wrap="none" rtlCol="0">
-              <a:spAutoFit/>
-            </a:bodyPr>
-            <a:lstStyle/>
-            <a:p>
-              <a:r>
-                <a:rPr lang="pt-BR" sz="1600" dirty="0"/>
-                <a:t>Esportes, empreendedorismo e Mindset </a:t>
-              </a:r>
-            </a:p>
-          </p:txBody>
-        </p:sp>
-        <p:sp>
-          <p:nvSpPr>
-            <p:cNvPr id="28" name="CaixaDeTexto 27">
-              <a:extLst>
-                <a:ext uri="{FF2B5EF4-FFF2-40B4-BE49-F238E27FC236}">
-                  <a16:creationId xmlns:a16="http://schemas.microsoft.com/office/drawing/2014/main" id="{287E2BDE-96BA-4562-9989-2C23E2004F0A}"/>
-                </a:ext>
-              </a:extLst>
-            </p:cNvPr>
-            <p:cNvSpPr txBox="1"/>
-            <p:nvPr/>
-          </p:nvSpPr>
-          <p:spPr>
-            <a:xfrm>
-              <a:off x="2116164" y="3493755"/>
-              <a:ext cx="2035816" cy="461665"/>
+              <a:off x="4678316" y="-20767"/>
+              <a:ext cx="6230656" cy="646331"/>
             </a:xfrm>
             <a:prstGeom prst="rect">
               <a:avLst/>
@@ -3756,27 +4034,21 @@
             <a:lstStyle/>
             <a:p>
               <a:r>
-                <a:rPr lang="pt-BR" sz="1200" b="0" i="0" dirty="0">
-                  <a:solidFill>
-                    <a:srgbClr val="000000"/>
-                  </a:solidFill>
-                  <a:effectLst/>
-                  <a:latin typeface="Barlow (Corpo)"/>
-                </a:rPr>
-                <a:t>Conselhos sobre relacionamentos, e família</a:t>
+                <a:rPr lang="pt-BR" dirty="0"/>
+                <a:t>Mapa de empatia</a:t>
               </a:r>
-              <a:endParaRPr lang="pt-BR" sz="1200" dirty="0">
-                <a:latin typeface="Barlow (Corpo)"/>
-              </a:endParaRPr>
+            </a:p>
+            <a:p>
+              <a:endParaRPr lang="pt-BR" dirty="0"/>
             </a:p>
           </p:txBody>
         </p:sp>
         <p:sp>
           <p:nvSpPr>
-            <p:cNvPr id="29" name="CaixaDeTexto 28">
+            <p:cNvPr id="3" name="CaixaDeTexto 2">
               <a:extLst>
                 <a:ext uri="{FF2B5EF4-FFF2-40B4-BE49-F238E27FC236}">
-                  <a16:creationId xmlns:a16="http://schemas.microsoft.com/office/drawing/2014/main" id="{CAC6A375-3F2F-4F3A-862E-6D0CE2C1B02A}"/>
+                  <a16:creationId xmlns:a16="http://schemas.microsoft.com/office/drawing/2014/main" id="{EE198348-382C-458E-8A52-8ED31A3CEBCC}"/>
                 </a:ext>
               </a:extLst>
             </p:cNvPr>
@@ -3785,602 +4057,8 @@
           </p:nvSpPr>
           <p:spPr>
             <a:xfrm>
-              <a:off x="2111605" y="2923583"/>
-              <a:ext cx="1733167" cy="276999"/>
-            </a:xfrm>
-            <a:prstGeom prst="rect">
-              <a:avLst/>
-            </a:prstGeom>
-            <a:noFill/>
-          </p:spPr>
-          <p:txBody>
-            <a:bodyPr wrap="none" rtlCol="0">
-              <a:spAutoFit/>
-            </a:bodyPr>
-            <a:lstStyle/>
-            <a:p>
-              <a:r>
-                <a:rPr lang="pt-BR" sz="1200" b="0" i="0" dirty="0">
-                  <a:solidFill>
-                    <a:srgbClr val="000000"/>
-                  </a:solidFill>
-                  <a:effectLst/>
-                  <a:latin typeface="Barlow (Corpo)"/>
-                </a:rPr>
-                <a:t>Sugestões do que fazer</a:t>
-              </a:r>
-              <a:endParaRPr lang="pt-BR" sz="1200" dirty="0">
-                <a:latin typeface="Barlow (Corpo)"/>
-              </a:endParaRPr>
-            </a:p>
-          </p:txBody>
-        </p:sp>
-        <p:sp>
-          <p:nvSpPr>
-            <p:cNvPr id="30" name="CaixaDeTexto 29">
-              <a:extLst>
-                <a:ext uri="{FF2B5EF4-FFF2-40B4-BE49-F238E27FC236}">
-                  <a16:creationId xmlns:a16="http://schemas.microsoft.com/office/drawing/2014/main" id="{78FBBE18-07A4-49B5-87F9-ED5CC45EEE63}"/>
-                </a:ext>
-              </a:extLst>
-            </p:cNvPr>
-            <p:cNvSpPr txBox="1"/>
-            <p:nvPr/>
-          </p:nvSpPr>
-          <p:spPr>
-            <a:xfrm>
-              <a:off x="2076801" y="1860743"/>
-              <a:ext cx="1594841" cy="830997"/>
-            </a:xfrm>
-            <a:prstGeom prst="rect">
-              <a:avLst/>
-            </a:prstGeom>
-            <a:noFill/>
-          </p:spPr>
-          <p:txBody>
-            <a:bodyPr wrap="square" rtlCol="0">
-              <a:spAutoFit/>
-            </a:bodyPr>
-            <a:lstStyle/>
-            <a:p>
-              <a:r>
-                <a:rPr lang="pt-BR" sz="1200" b="0" i="0" dirty="0">
-                  <a:solidFill>
-                    <a:srgbClr val="000000"/>
-                  </a:solidFill>
-                  <a:effectLst/>
-                  <a:latin typeface="Barlow (Corpo)"/>
-                </a:rPr>
-                <a:t>Qualquer tipo de música, dependendo do momento emocional </a:t>
-              </a:r>
-              <a:endParaRPr lang="pt-BR" sz="1200" dirty="0">
-                <a:latin typeface="Barlow (Corpo)"/>
-              </a:endParaRPr>
-            </a:p>
-          </p:txBody>
-        </p:sp>
-        <p:sp>
-          <p:nvSpPr>
-            <p:cNvPr id="31" name="CaixaDeTexto 30">
-              <a:extLst>
-                <a:ext uri="{FF2B5EF4-FFF2-40B4-BE49-F238E27FC236}">
-                  <a16:creationId xmlns:a16="http://schemas.microsoft.com/office/drawing/2014/main" id="{B9325495-667B-4055-A4BE-68C6F6766A47}"/>
-                </a:ext>
-              </a:extLst>
-            </p:cNvPr>
-            <p:cNvSpPr txBox="1"/>
-            <p:nvPr/>
-          </p:nvSpPr>
-          <p:spPr>
-            <a:xfrm>
-              <a:off x="2111605" y="3124408"/>
-              <a:ext cx="2158738" cy="461665"/>
-            </a:xfrm>
-            <a:prstGeom prst="rect">
-              <a:avLst/>
-            </a:prstGeom>
-            <a:noFill/>
-          </p:spPr>
-          <p:txBody>
-            <a:bodyPr wrap="square" rtlCol="0">
-              <a:spAutoFit/>
-            </a:bodyPr>
-            <a:lstStyle/>
-            <a:p>
-              <a:r>
-                <a:rPr lang="pt-BR" sz="1200" b="0" i="0" dirty="0">
-                  <a:solidFill>
-                    <a:srgbClr val="000000"/>
-                  </a:solidFill>
-                  <a:effectLst/>
-                  <a:latin typeface="Barlow (Corpo)"/>
-                </a:rPr>
-                <a:t>Podcasts derivados, sobre o mundo, mídia, entre outros</a:t>
-              </a:r>
-              <a:endParaRPr lang="pt-BR" sz="1200" dirty="0">
-                <a:latin typeface="Barlow (Corpo)"/>
-              </a:endParaRPr>
-            </a:p>
-          </p:txBody>
-        </p:sp>
-        <p:sp>
-          <p:nvSpPr>
-            <p:cNvPr id="32" name="CaixaDeTexto 31">
-              <a:extLst>
-                <a:ext uri="{FF2B5EF4-FFF2-40B4-BE49-F238E27FC236}">
-                  <a16:creationId xmlns:a16="http://schemas.microsoft.com/office/drawing/2014/main" id="{E9AD485F-ACD8-4CF9-B16D-49EF23D03D14}"/>
-                </a:ext>
-              </a:extLst>
-            </p:cNvPr>
-            <p:cNvSpPr txBox="1"/>
-            <p:nvPr/>
-          </p:nvSpPr>
-          <p:spPr>
-            <a:xfrm>
-              <a:off x="3008912" y="1575539"/>
-              <a:ext cx="2449710" cy="338554"/>
-            </a:xfrm>
-            <a:prstGeom prst="rect">
-              <a:avLst/>
-            </a:prstGeom>
-            <a:noFill/>
-          </p:spPr>
-          <p:txBody>
-            <a:bodyPr wrap="none" rtlCol="0">
-              <a:spAutoFit/>
-            </a:bodyPr>
-            <a:lstStyle/>
-            <a:p>
-              <a:r>
-                <a:rPr lang="pt-BR" sz="1600" dirty="0"/>
-                <a:t>Desenvolvimento pessoal</a:t>
-              </a:r>
-            </a:p>
-          </p:txBody>
-        </p:sp>
-        <p:sp>
-          <p:nvSpPr>
-            <p:cNvPr id="33" name="CaixaDeTexto 32">
-              <a:extLst>
-                <a:ext uri="{FF2B5EF4-FFF2-40B4-BE49-F238E27FC236}">
-                  <a16:creationId xmlns:a16="http://schemas.microsoft.com/office/drawing/2014/main" id="{33862F3A-172C-49EF-B69A-BCA7A9748CB5}"/>
-                </a:ext>
-              </a:extLst>
-            </p:cNvPr>
-            <p:cNvSpPr txBox="1"/>
-            <p:nvPr/>
-          </p:nvSpPr>
-          <p:spPr>
-            <a:xfrm>
-              <a:off x="2076801" y="2542922"/>
-              <a:ext cx="2587797" cy="461665"/>
-            </a:xfrm>
-            <a:prstGeom prst="rect">
-              <a:avLst/>
-            </a:prstGeom>
-            <a:noFill/>
-          </p:spPr>
-          <p:txBody>
-            <a:bodyPr wrap="square" rtlCol="0">
-              <a:spAutoFit/>
-            </a:bodyPr>
-            <a:lstStyle/>
-            <a:p>
-              <a:r>
-                <a:rPr lang="pt-BR" sz="1200" b="0" i="0" dirty="0">
-                  <a:solidFill>
-                    <a:srgbClr val="000000"/>
-                  </a:solidFill>
-                  <a:effectLst/>
-                  <a:latin typeface="Barlow (Corpo)"/>
-                </a:rPr>
-                <a:t>Cantores, Atores, e Influenciadores digitais </a:t>
-              </a:r>
-              <a:endParaRPr lang="pt-BR" sz="1200" dirty="0">
-                <a:latin typeface="Barlow (Corpo)"/>
-              </a:endParaRPr>
-            </a:p>
-          </p:txBody>
-        </p:sp>
-        <p:sp>
-          <p:nvSpPr>
-            <p:cNvPr id="34" name="CaixaDeTexto 33">
-              <a:extLst>
-                <a:ext uri="{FF2B5EF4-FFF2-40B4-BE49-F238E27FC236}">
-                  <a16:creationId xmlns:a16="http://schemas.microsoft.com/office/drawing/2014/main" id="{2A53BA13-2C84-4F56-9E55-4F47186AB726}"/>
-                </a:ext>
-              </a:extLst>
-            </p:cNvPr>
-            <p:cNvSpPr txBox="1"/>
-            <p:nvPr/>
-          </p:nvSpPr>
-          <p:spPr>
-            <a:xfrm>
-              <a:off x="3062885" y="2750779"/>
-              <a:ext cx="1887055" cy="276999"/>
-            </a:xfrm>
-            <a:prstGeom prst="rect">
-              <a:avLst/>
-            </a:prstGeom>
-            <a:noFill/>
-          </p:spPr>
-          <p:txBody>
-            <a:bodyPr wrap="none" rtlCol="0">
-              <a:spAutoFit/>
-            </a:bodyPr>
-            <a:lstStyle/>
-            <a:p>
-              <a:r>
-                <a:rPr lang="pt-BR" sz="1200" b="0" i="0" dirty="0">
-                  <a:solidFill>
-                    <a:srgbClr val="000000"/>
-                  </a:solidFill>
-                  <a:effectLst/>
-                  <a:latin typeface="Barlow (Corpo)"/>
-                </a:rPr>
-                <a:t>Conselhos, criticas, apoio</a:t>
-              </a:r>
-              <a:endParaRPr lang="pt-BR" sz="1200" dirty="0">
-                <a:latin typeface="Barlow (Corpo)"/>
-              </a:endParaRPr>
-            </a:p>
-          </p:txBody>
-        </p:sp>
-        <p:sp>
-          <p:nvSpPr>
-            <p:cNvPr id="35" name="CaixaDeTexto 34">
-              <a:extLst>
-                <a:ext uri="{FF2B5EF4-FFF2-40B4-BE49-F238E27FC236}">
-                  <a16:creationId xmlns:a16="http://schemas.microsoft.com/office/drawing/2014/main" id="{43A11A75-2A49-4963-8881-BCEABA96A2A7}"/>
-                </a:ext>
-              </a:extLst>
-            </p:cNvPr>
-            <p:cNvSpPr txBox="1"/>
-            <p:nvPr/>
-          </p:nvSpPr>
-          <p:spPr>
-            <a:xfrm>
-              <a:off x="2113941" y="3880249"/>
-              <a:ext cx="1371680" cy="1015663"/>
-            </a:xfrm>
-            <a:prstGeom prst="rect">
-              <a:avLst/>
-            </a:prstGeom>
-            <a:noFill/>
-          </p:spPr>
-          <p:txBody>
-            <a:bodyPr wrap="square" rtlCol="0">
-              <a:spAutoFit/>
-            </a:bodyPr>
-            <a:lstStyle/>
-            <a:p>
-              <a:r>
-                <a:rPr lang="pt-BR" sz="1200" b="0" i="0" dirty="0">
-                  <a:solidFill>
-                    <a:srgbClr val="000000"/>
-                  </a:solidFill>
-                  <a:effectLst/>
-                  <a:latin typeface="Calibri" panose="020F0502020204030204" pitchFamily="34" charset="0"/>
-                </a:rPr>
-                <a:t>Elogios, que é esforçado, prestativo, porém, muito preocupado com as coisas </a:t>
-              </a:r>
-              <a:endParaRPr lang="pt-BR" sz="1200" dirty="0"/>
-            </a:p>
-          </p:txBody>
-        </p:sp>
-        <p:sp>
-          <p:nvSpPr>
-            <p:cNvPr id="36" name="CaixaDeTexto 35">
-              <a:extLst>
-                <a:ext uri="{FF2B5EF4-FFF2-40B4-BE49-F238E27FC236}">
-                  <a16:creationId xmlns:a16="http://schemas.microsoft.com/office/drawing/2014/main" id="{BEB564BB-CD62-4F59-AC93-4207E1EAF16E}"/>
-                </a:ext>
-              </a:extLst>
-            </p:cNvPr>
-            <p:cNvSpPr txBox="1"/>
-            <p:nvPr/>
-          </p:nvSpPr>
-          <p:spPr>
-            <a:xfrm>
-              <a:off x="6416538" y="4284167"/>
-              <a:ext cx="1887055" cy="1077218"/>
-            </a:xfrm>
-            <a:prstGeom prst="rect">
-              <a:avLst/>
-            </a:prstGeom>
-            <a:noFill/>
-          </p:spPr>
-          <p:txBody>
-            <a:bodyPr wrap="square" rtlCol="0">
-              <a:spAutoFit/>
-            </a:bodyPr>
-            <a:lstStyle/>
-            <a:p>
-              <a:pPr algn="l" rtl="0" fontAlgn="base"/>
-              <a:r>
-                <a:rPr lang="pt-BR" sz="1400" b="0" i="0" dirty="0">
-                  <a:solidFill>
-                    <a:srgbClr val="000000"/>
-                  </a:solidFill>
-                  <a:effectLst/>
-                  <a:latin typeface="Barlow (Corpo)"/>
-                </a:rPr>
-                <a:t>Planos que planeja, metas, desabafos </a:t>
-              </a:r>
-            </a:p>
-            <a:p>
-              <a:pPr algn="l" rtl="0" fontAlgn="base"/>
-              <a:r>
-                <a:rPr lang="pt-BR" sz="1800" b="0" i="0" dirty="0">
-                  <a:solidFill>
-                    <a:srgbClr val="000000"/>
-                  </a:solidFill>
-                  <a:effectLst/>
-                  <a:latin typeface="Calibri" panose="020F0502020204030204" pitchFamily="34" charset="0"/>
-                </a:rPr>
-                <a:t> </a:t>
-              </a:r>
-              <a:endParaRPr lang="pt-BR" b="0" i="0" dirty="0">
-                <a:solidFill>
-                  <a:srgbClr val="000000"/>
-                </a:solidFill>
-                <a:effectLst/>
-                <a:latin typeface="Segoe UI" panose="020B0502040204020203" pitchFamily="34" charset="0"/>
-              </a:endParaRPr>
-            </a:p>
-            <a:p>
-              <a:endParaRPr lang="pt-BR" dirty="0"/>
-            </a:p>
-          </p:txBody>
-        </p:sp>
-        <p:sp>
-          <p:nvSpPr>
-            <p:cNvPr id="37" name="CaixaDeTexto 36">
-              <a:extLst>
-                <a:ext uri="{FF2B5EF4-FFF2-40B4-BE49-F238E27FC236}">
-                  <a16:creationId xmlns:a16="http://schemas.microsoft.com/office/drawing/2014/main" id="{2C8FA0E4-B994-489F-AE16-54AEB977BAEF}"/>
-                </a:ext>
-              </a:extLst>
-            </p:cNvPr>
-            <p:cNvSpPr txBox="1"/>
-            <p:nvPr/>
-          </p:nvSpPr>
-          <p:spPr>
-            <a:xfrm>
-              <a:off x="3206685" y="4893473"/>
-              <a:ext cx="3742591" cy="307777"/>
-            </a:xfrm>
-            <a:prstGeom prst="rect">
-              <a:avLst/>
-            </a:prstGeom>
-            <a:noFill/>
-          </p:spPr>
-          <p:txBody>
-            <a:bodyPr wrap="square" rtlCol="0">
-              <a:spAutoFit/>
-            </a:bodyPr>
-            <a:lstStyle/>
-            <a:p>
-              <a:r>
-                <a:rPr lang="pt-BR" sz="1400" b="0" i="0" dirty="0">
-                  <a:solidFill>
-                    <a:srgbClr val="000000"/>
-                  </a:solidFill>
-                  <a:effectLst/>
-                  <a:latin typeface="Barlow (Corpo)"/>
-                </a:rPr>
-                <a:t>Comprometimento com os seus sonhos</a:t>
-              </a:r>
-              <a:endParaRPr lang="pt-BR" sz="1400" dirty="0">
-                <a:latin typeface="Barlow (Corpo)"/>
-              </a:endParaRPr>
-            </a:p>
-          </p:txBody>
-        </p:sp>
-        <p:sp>
-          <p:nvSpPr>
-            <p:cNvPr id="38" name="CaixaDeTexto 37">
-              <a:extLst>
-                <a:ext uri="{FF2B5EF4-FFF2-40B4-BE49-F238E27FC236}">
-                  <a16:creationId xmlns:a16="http://schemas.microsoft.com/office/drawing/2014/main" id="{B979F4AE-D2FF-4CA6-9FAF-7813D5407BC2}"/>
-                </a:ext>
-              </a:extLst>
-            </p:cNvPr>
-            <p:cNvSpPr txBox="1"/>
-            <p:nvPr/>
-          </p:nvSpPr>
-          <p:spPr>
-            <a:xfrm>
-              <a:off x="3513384" y="4524126"/>
-              <a:ext cx="2977097" cy="338554"/>
-            </a:xfrm>
-            <a:prstGeom prst="rect">
-              <a:avLst/>
-            </a:prstGeom>
-            <a:noFill/>
-          </p:spPr>
-          <p:txBody>
-            <a:bodyPr wrap="none" rtlCol="0">
-              <a:spAutoFit/>
-            </a:bodyPr>
-            <a:lstStyle/>
-            <a:p>
-              <a:r>
-                <a:rPr lang="pt-BR" sz="1600" b="0" i="0" dirty="0">
-                  <a:solidFill>
-                    <a:srgbClr val="000000"/>
-                  </a:solidFill>
-                  <a:effectLst/>
-                  <a:latin typeface="Barlow (Corpo)"/>
-                </a:rPr>
-                <a:t>Séries, festas, músicas, e jogos</a:t>
-              </a:r>
-              <a:endParaRPr lang="pt-BR" sz="1600" dirty="0">
-                <a:latin typeface="Barlow (Corpo)"/>
-              </a:endParaRPr>
-            </a:p>
-          </p:txBody>
-        </p:sp>
-        <p:sp>
-          <p:nvSpPr>
-            <p:cNvPr id="39" name="CaixaDeTexto 38">
-              <a:extLst>
-                <a:ext uri="{FF2B5EF4-FFF2-40B4-BE49-F238E27FC236}">
-                  <a16:creationId xmlns:a16="http://schemas.microsoft.com/office/drawing/2014/main" id="{431C162B-F503-40CB-ACB4-4260249734E8}"/>
-                </a:ext>
-              </a:extLst>
-            </p:cNvPr>
-            <p:cNvSpPr txBox="1"/>
-            <p:nvPr/>
-          </p:nvSpPr>
-          <p:spPr>
-            <a:xfrm>
-              <a:off x="7779376" y="4822776"/>
-              <a:ext cx="1071127" cy="338554"/>
-            </a:xfrm>
-            <a:prstGeom prst="rect">
-              <a:avLst/>
-            </a:prstGeom>
-            <a:noFill/>
-          </p:spPr>
-          <p:txBody>
-            <a:bodyPr wrap="none" rtlCol="0">
-              <a:spAutoFit/>
-            </a:bodyPr>
-            <a:lstStyle/>
-            <a:p>
-              <a:r>
-                <a:rPr lang="pt-BR" sz="1600" b="0" i="0" dirty="0">
-                  <a:solidFill>
-                    <a:srgbClr val="000000"/>
-                  </a:solidFill>
-                  <a:effectLst/>
-                  <a:latin typeface="Barlow (Corpo)"/>
-                </a:rPr>
-                <a:t>Marketing</a:t>
-              </a:r>
-              <a:endParaRPr lang="pt-BR" sz="1600" dirty="0">
-                <a:latin typeface="Barlow (Corpo)"/>
-              </a:endParaRPr>
-            </a:p>
-          </p:txBody>
-        </p:sp>
-        <p:sp>
-          <p:nvSpPr>
-            <p:cNvPr id="40" name="CaixaDeTexto 39">
-              <a:extLst>
-                <a:ext uri="{FF2B5EF4-FFF2-40B4-BE49-F238E27FC236}">
-                  <a16:creationId xmlns:a16="http://schemas.microsoft.com/office/drawing/2014/main" id="{08ECDBD3-E2BC-4115-8D5A-A5BB1B0857BA}"/>
-                </a:ext>
-              </a:extLst>
-            </p:cNvPr>
-            <p:cNvSpPr txBox="1"/>
-            <p:nvPr/>
-          </p:nvSpPr>
-          <p:spPr>
-            <a:xfrm>
-              <a:off x="7801018" y="4000906"/>
-              <a:ext cx="2082621" cy="523220"/>
-            </a:xfrm>
-            <a:prstGeom prst="rect">
-              <a:avLst/>
-            </a:prstGeom>
-            <a:noFill/>
-          </p:spPr>
-          <p:txBody>
-            <a:bodyPr wrap="none" rtlCol="0">
-              <a:spAutoFit/>
-            </a:bodyPr>
-            <a:lstStyle/>
-            <a:p>
-              <a:r>
-                <a:rPr lang="pt-BR" sz="1400" b="0" i="0" dirty="0">
-                  <a:effectLst/>
-                  <a:latin typeface="Barlow (Corpo)"/>
-                </a:rPr>
-                <a:t>Jovens da mesma idade </a:t>
-              </a:r>
-              <a:br>
-                <a:rPr lang="pt-BR" sz="1400" dirty="0">
-                  <a:latin typeface="Barlow (Corpo)"/>
-                </a:rPr>
-              </a:br>
-              <a:endParaRPr lang="pt-BR" sz="1400" dirty="0">
-                <a:latin typeface="Barlow (Corpo)"/>
-              </a:endParaRPr>
-            </a:p>
-          </p:txBody>
-        </p:sp>
-        <p:sp>
-          <p:nvSpPr>
-            <p:cNvPr id="41" name="CaixaDeTexto 40">
-              <a:extLst>
-                <a:ext uri="{FF2B5EF4-FFF2-40B4-BE49-F238E27FC236}">
-                  <a16:creationId xmlns:a16="http://schemas.microsoft.com/office/drawing/2014/main" id="{5ED22282-44E8-4FFC-BFBB-2D3A37D7E58A}"/>
-                </a:ext>
-              </a:extLst>
-            </p:cNvPr>
-            <p:cNvSpPr txBox="1"/>
-            <p:nvPr/>
-          </p:nvSpPr>
-          <p:spPr>
-            <a:xfrm>
-              <a:off x="7210684" y="2989870"/>
-              <a:ext cx="2780191" cy="523220"/>
-            </a:xfrm>
-            <a:prstGeom prst="rect">
-              <a:avLst/>
-            </a:prstGeom>
-            <a:noFill/>
-          </p:spPr>
-          <p:txBody>
-            <a:bodyPr wrap="square" rtlCol="0">
-              <a:spAutoFit/>
-            </a:bodyPr>
-            <a:lstStyle/>
-            <a:p>
-              <a:r>
-                <a:rPr lang="pt-BR" sz="1400" b="0" i="0" dirty="0">
-                  <a:effectLst/>
-                  <a:latin typeface="Barlow (Corpo)"/>
-                </a:rPr>
-                <a:t>Estuda, trabalha e </a:t>
-              </a:r>
-              <a:r>
-                <a:rPr lang="pt-BR" sz="1400" dirty="0">
-                  <a:latin typeface="Barlow (Corpo)"/>
-                </a:rPr>
-                <a:t>c</a:t>
-              </a:r>
-              <a:r>
-                <a:rPr lang="pt-BR" sz="1400" b="0" i="0" dirty="0">
-                  <a:effectLst/>
-                  <a:latin typeface="Barlow (Corpo)"/>
-                </a:rPr>
-                <a:t>urte nos fins de semana</a:t>
-              </a:r>
-              <a:endParaRPr lang="pt-BR" sz="1400" dirty="0">
-                <a:latin typeface="Barlow (Corpo)"/>
-              </a:endParaRPr>
-            </a:p>
-          </p:txBody>
-        </p:sp>
-        <p:sp>
-          <p:nvSpPr>
-            <p:cNvPr id="42" name="CaixaDeTexto 41">
-              <a:extLst>
-                <a:ext uri="{FF2B5EF4-FFF2-40B4-BE49-F238E27FC236}">
-                  <a16:creationId xmlns:a16="http://schemas.microsoft.com/office/drawing/2014/main" id="{CBDAD9C4-B907-46EC-938C-394BBA02831A}"/>
-                </a:ext>
-              </a:extLst>
-            </p:cNvPr>
-            <p:cNvSpPr txBox="1"/>
-            <p:nvPr/>
-          </p:nvSpPr>
-          <p:spPr>
-            <a:xfrm>
-              <a:off x="7967092" y="2309972"/>
-              <a:ext cx="2016899" cy="738664"/>
+              <a:off x="7845384" y="3417860"/>
+              <a:ext cx="2818987" cy="369332"/>
             </a:xfrm>
             <a:prstGeom prst="rect">
               <a:avLst/>
@@ -4395,17 +4073,21 @@
             <a:p>
               <a:r>
                 <a:rPr lang="pt-BR" sz="1400" dirty="0"/>
-                <a:t>Usa bastante as redes sociais e gosta de mostrar seu dia a dia </a:t>
+                <a:t>Filmes, series e desenhos</a:t>
+              </a:r>
+              <a:r>
+                <a:rPr lang="pt-BR" dirty="0"/>
+                <a:t> </a:t>
               </a:r>
             </a:p>
           </p:txBody>
         </p:sp>
         <p:sp>
           <p:nvSpPr>
-            <p:cNvPr id="43" name="CaixaDeTexto 42">
+            <p:cNvPr id="4" name="CaixaDeTexto 3">
               <a:extLst>
                 <a:ext uri="{FF2B5EF4-FFF2-40B4-BE49-F238E27FC236}">
-                  <a16:creationId xmlns:a16="http://schemas.microsoft.com/office/drawing/2014/main" id="{3CDB8721-492C-4EE6-8E9B-8AB3822EB25B}"/>
+                  <a16:creationId xmlns:a16="http://schemas.microsoft.com/office/drawing/2014/main" id="{8701B516-056C-46DC-992A-E8C8E8BB14F0}"/>
                 </a:ext>
               </a:extLst>
             </p:cNvPr>
@@ -4414,610 +4096,8 @@
           </p:nvSpPr>
           <p:spPr>
             <a:xfrm>
-              <a:off x="6917985" y="3553197"/>
-              <a:ext cx="2948243" cy="307777"/>
-            </a:xfrm>
-            <a:prstGeom prst="rect">
-              <a:avLst/>
-            </a:prstGeom>
-            <a:noFill/>
-          </p:spPr>
-          <p:txBody>
-            <a:bodyPr wrap="none" rtlCol="0">
-              <a:spAutoFit/>
-            </a:bodyPr>
-            <a:lstStyle/>
-            <a:p>
-              <a:r>
-                <a:rPr lang="pt-BR" sz="1400" dirty="0"/>
-                <a:t>Ambiente de trabalho descontraído </a:t>
-              </a:r>
-            </a:p>
-          </p:txBody>
-        </p:sp>
-        <p:sp>
-          <p:nvSpPr>
-            <p:cNvPr id="44" name="CaixaDeTexto 43">
-              <a:extLst>
-                <a:ext uri="{FF2B5EF4-FFF2-40B4-BE49-F238E27FC236}">
-                  <a16:creationId xmlns:a16="http://schemas.microsoft.com/office/drawing/2014/main" id="{D6BC8113-FFBD-4F64-8A3A-DEFFFE6C8A64}"/>
-                </a:ext>
-              </a:extLst>
-            </p:cNvPr>
-            <p:cNvSpPr txBox="1"/>
-            <p:nvPr/>
-          </p:nvSpPr>
-          <p:spPr>
-            <a:xfrm>
-              <a:off x="5905176" y="5447529"/>
-              <a:ext cx="2255746" cy="307777"/>
-            </a:xfrm>
-            <a:prstGeom prst="rect">
-              <a:avLst/>
-            </a:prstGeom>
-            <a:noFill/>
-          </p:spPr>
-          <p:txBody>
-            <a:bodyPr wrap="none" rtlCol="0">
-              <a:spAutoFit/>
-            </a:bodyPr>
-            <a:lstStyle/>
-            <a:p>
-              <a:r>
-                <a:rPr lang="pt-BR" sz="1400" dirty="0">
-                  <a:solidFill>
-                    <a:srgbClr val="000000"/>
-                  </a:solidFill>
-                  <a:latin typeface="Barlow (Corpo)"/>
-                </a:rPr>
-                <a:t>C</a:t>
-              </a:r>
-              <a:r>
-                <a:rPr lang="pt-BR" sz="1400" b="0" i="0" dirty="0">
-                  <a:solidFill>
-                    <a:srgbClr val="000000"/>
-                  </a:solidFill>
-                  <a:effectLst/>
-                  <a:latin typeface="Barlow (Corpo)"/>
-                </a:rPr>
-                <a:t>rescer profissionalmente</a:t>
-              </a:r>
-              <a:endParaRPr lang="pt-BR" sz="1400" dirty="0">
-                <a:latin typeface="Barlow (Corpo)"/>
-              </a:endParaRPr>
-            </a:p>
-          </p:txBody>
-        </p:sp>
-        <p:sp>
-          <p:nvSpPr>
-            <p:cNvPr id="45" name="CaixaDeTexto 44">
-              <a:extLst>
-                <a:ext uri="{FF2B5EF4-FFF2-40B4-BE49-F238E27FC236}">
-                  <a16:creationId xmlns:a16="http://schemas.microsoft.com/office/drawing/2014/main" id="{4422915D-A382-48B2-A592-37B5C0A04C54}"/>
-                </a:ext>
-              </a:extLst>
-            </p:cNvPr>
-            <p:cNvSpPr txBox="1"/>
-            <p:nvPr/>
-          </p:nvSpPr>
-          <p:spPr>
-            <a:xfrm>
-              <a:off x="8229123" y="5518671"/>
-              <a:ext cx="1571264" cy="307777"/>
-            </a:xfrm>
-            <a:prstGeom prst="rect">
-              <a:avLst/>
-            </a:prstGeom>
-            <a:noFill/>
-          </p:spPr>
-          <p:txBody>
-            <a:bodyPr wrap="none" rtlCol="0">
-              <a:spAutoFit/>
-            </a:bodyPr>
-            <a:lstStyle/>
-            <a:p>
-              <a:r>
-                <a:rPr lang="pt-BR" sz="1400" dirty="0">
-                  <a:solidFill>
-                    <a:srgbClr val="000000"/>
-                  </a:solidFill>
-                  <a:latin typeface="Barlow (Corpo)"/>
-                </a:rPr>
-                <a:t>S</a:t>
-              </a:r>
-              <a:r>
-                <a:rPr lang="pt-BR" sz="1400" b="0" i="0" dirty="0">
-                  <a:solidFill>
-                    <a:srgbClr val="000000"/>
-                  </a:solidFill>
-                  <a:effectLst/>
-                  <a:latin typeface="Barlow (Corpo)"/>
-                </a:rPr>
-                <a:t>er</a:t>
-              </a:r>
-              <a:r>
-                <a:rPr lang="pt-BR" sz="1400" b="0" i="0" dirty="0">
-                  <a:solidFill>
-                    <a:srgbClr val="000000"/>
-                  </a:solidFill>
-                  <a:effectLst/>
-                  <a:latin typeface="Calibri" panose="020F0502020204030204" pitchFamily="34" charset="0"/>
-                </a:rPr>
-                <a:t> </a:t>
-              </a:r>
-              <a:r>
-                <a:rPr lang="pt-BR" sz="1400" b="0" i="0" dirty="0">
-                  <a:solidFill>
-                    <a:srgbClr val="000000"/>
-                  </a:solidFill>
-                  <a:effectLst/>
-                  <a:latin typeface="Barlow (Corpo)"/>
-                </a:rPr>
-                <a:t>independente</a:t>
-              </a:r>
-              <a:endParaRPr lang="pt-BR" sz="1400" dirty="0">
-                <a:latin typeface="Barlow (Corpo)"/>
-              </a:endParaRPr>
-            </a:p>
-          </p:txBody>
-        </p:sp>
-        <p:sp>
-          <p:nvSpPr>
-            <p:cNvPr id="46" name="CaixaDeTexto 45">
-              <a:extLst>
-                <a:ext uri="{FF2B5EF4-FFF2-40B4-BE49-F238E27FC236}">
-                  <a16:creationId xmlns:a16="http://schemas.microsoft.com/office/drawing/2014/main" id="{4FB22AFF-6EA6-4AD7-A59B-B599A9228A04}"/>
-                </a:ext>
-              </a:extLst>
-            </p:cNvPr>
-            <p:cNvSpPr txBox="1"/>
-            <p:nvPr/>
-          </p:nvSpPr>
-          <p:spPr>
-            <a:xfrm>
-              <a:off x="5912656" y="5669172"/>
-              <a:ext cx="1771639" cy="307777"/>
-            </a:xfrm>
-            <a:prstGeom prst="rect">
-              <a:avLst/>
-            </a:prstGeom>
-            <a:noFill/>
-          </p:spPr>
-          <p:txBody>
-            <a:bodyPr wrap="none" rtlCol="0">
-              <a:spAutoFit/>
-            </a:bodyPr>
-            <a:lstStyle/>
-            <a:p>
-              <a:r>
-                <a:rPr lang="pt-BR" sz="1400" dirty="0">
-                  <a:solidFill>
-                    <a:srgbClr val="000000"/>
-                  </a:solidFill>
-                  <a:latin typeface="Barlow (Corpo)"/>
-                </a:rPr>
-                <a:t>T</a:t>
-              </a:r>
-              <a:r>
-                <a:rPr lang="pt-BR" sz="1400" b="0" i="0" dirty="0">
-                  <a:solidFill>
-                    <a:srgbClr val="000000"/>
-                  </a:solidFill>
-                  <a:effectLst/>
-                  <a:latin typeface="Barlow (Corpo)"/>
-                </a:rPr>
-                <a:t>er mais tempo livre</a:t>
-              </a:r>
-              <a:endParaRPr lang="pt-BR" sz="1400" dirty="0">
-                <a:latin typeface="Barlow (Corpo)"/>
-              </a:endParaRPr>
-            </a:p>
-          </p:txBody>
-        </p:sp>
-        <p:sp>
-          <p:nvSpPr>
-            <p:cNvPr id="47" name="CaixaDeTexto 46">
-              <a:extLst>
-                <a:ext uri="{FF2B5EF4-FFF2-40B4-BE49-F238E27FC236}">
-                  <a16:creationId xmlns:a16="http://schemas.microsoft.com/office/drawing/2014/main" id="{5140AE80-B339-4FC4-8EFA-738773C33530}"/>
-                </a:ext>
-              </a:extLst>
-            </p:cNvPr>
-            <p:cNvSpPr txBox="1"/>
-            <p:nvPr/>
-          </p:nvSpPr>
-          <p:spPr>
-            <a:xfrm>
-              <a:off x="7540847" y="5708971"/>
-              <a:ext cx="1141659" cy="584775"/>
-            </a:xfrm>
-            <a:prstGeom prst="rect">
-              <a:avLst/>
-            </a:prstGeom>
-            <a:noFill/>
-          </p:spPr>
-          <p:txBody>
-            <a:bodyPr wrap="none" rtlCol="0">
-              <a:spAutoFit/>
-            </a:bodyPr>
-            <a:lstStyle/>
-            <a:p>
-              <a:r>
-                <a:rPr lang="pt-BR" sz="1400" dirty="0">
-                  <a:solidFill>
-                    <a:srgbClr val="000000"/>
-                  </a:solidFill>
-                  <a:latin typeface="Barlow (Corpo)"/>
-                </a:rPr>
-                <a:t>P</a:t>
-              </a:r>
-              <a:r>
-                <a:rPr lang="pt-BR" sz="1400" b="0" i="0" dirty="0">
-                  <a:solidFill>
-                    <a:srgbClr val="000000"/>
-                  </a:solidFill>
-                  <a:effectLst/>
-                  <a:latin typeface="Barlow (Corpo)"/>
-                </a:rPr>
-                <a:t>oder viajar </a:t>
-              </a:r>
-            </a:p>
-            <a:p>
-              <a:endParaRPr lang="pt-BR" dirty="0"/>
-            </a:p>
-          </p:txBody>
-        </p:sp>
-        <p:sp>
-          <p:nvSpPr>
-            <p:cNvPr id="48" name="CaixaDeTexto 47">
-              <a:extLst>
-                <a:ext uri="{FF2B5EF4-FFF2-40B4-BE49-F238E27FC236}">
-                  <a16:creationId xmlns:a16="http://schemas.microsoft.com/office/drawing/2014/main" id="{B944E77E-A800-473E-9154-BAAABB74EF24}"/>
-                </a:ext>
-              </a:extLst>
-            </p:cNvPr>
-            <p:cNvSpPr txBox="1"/>
-            <p:nvPr/>
-          </p:nvSpPr>
-          <p:spPr>
-            <a:xfrm>
-              <a:off x="5912656" y="6120622"/>
-              <a:ext cx="2929007" cy="307777"/>
-            </a:xfrm>
-            <a:prstGeom prst="rect">
-              <a:avLst/>
-            </a:prstGeom>
-            <a:noFill/>
-          </p:spPr>
-          <p:txBody>
-            <a:bodyPr wrap="none" rtlCol="0">
-              <a:spAutoFit/>
-            </a:bodyPr>
-            <a:lstStyle/>
-            <a:p>
-              <a:r>
-                <a:rPr lang="pt-BR" sz="1400" dirty="0">
-                  <a:solidFill>
-                    <a:srgbClr val="000000"/>
-                  </a:solidFill>
-                  <a:latin typeface="Barlow (Corpo)"/>
-                </a:rPr>
-                <a:t>T</a:t>
-              </a:r>
-              <a:r>
-                <a:rPr lang="pt-BR" sz="1400" b="0" i="0" dirty="0">
-                  <a:solidFill>
-                    <a:srgbClr val="000000"/>
-                  </a:solidFill>
-                  <a:effectLst/>
-                  <a:latin typeface="Barlow (Corpo)"/>
-                </a:rPr>
-                <a:t>er uma vida financeira confortável</a:t>
-              </a:r>
-              <a:endParaRPr lang="pt-BR" sz="1400" dirty="0">
-                <a:latin typeface="Barlow (Corpo)"/>
-              </a:endParaRPr>
-            </a:p>
-          </p:txBody>
-        </p:sp>
-        <p:sp>
-          <p:nvSpPr>
-            <p:cNvPr id="49" name="CaixaDeTexto 48">
-              <a:extLst>
-                <a:ext uri="{FF2B5EF4-FFF2-40B4-BE49-F238E27FC236}">
-                  <a16:creationId xmlns:a16="http://schemas.microsoft.com/office/drawing/2014/main" id="{BA3318CE-4296-4E20-8A8B-1FBF64B006D0}"/>
-                </a:ext>
-              </a:extLst>
-            </p:cNvPr>
-            <p:cNvSpPr txBox="1"/>
-            <p:nvPr/>
-          </p:nvSpPr>
-          <p:spPr>
-            <a:xfrm>
-              <a:off x="5912656" y="5877931"/>
-              <a:ext cx="1571264" cy="307777"/>
-            </a:xfrm>
-            <a:prstGeom prst="rect">
-              <a:avLst/>
-            </a:prstGeom>
-            <a:noFill/>
-          </p:spPr>
-          <p:txBody>
-            <a:bodyPr wrap="none" rtlCol="0">
-              <a:spAutoFit/>
-            </a:bodyPr>
-            <a:lstStyle/>
-            <a:p>
-              <a:r>
-                <a:rPr lang="pt-BR" sz="1400" dirty="0">
-                  <a:solidFill>
-                    <a:srgbClr val="000000"/>
-                  </a:solidFill>
-                  <a:latin typeface="Barlow (Corpo)"/>
-                </a:rPr>
-                <a:t>V</a:t>
-              </a:r>
-              <a:r>
-                <a:rPr lang="pt-BR" sz="1400" b="0" i="0" dirty="0">
-                  <a:solidFill>
-                    <a:srgbClr val="000000"/>
-                  </a:solidFill>
-                  <a:effectLst/>
-                  <a:latin typeface="Barlow (Corpo)"/>
-                </a:rPr>
-                <a:t>iajar pelo mundo</a:t>
-              </a:r>
-              <a:endParaRPr lang="pt-BR" sz="1400" dirty="0">
-                <a:latin typeface="Barlow (Corpo)"/>
-              </a:endParaRPr>
-            </a:p>
-          </p:txBody>
-        </p:sp>
-        <p:sp>
-          <p:nvSpPr>
-            <p:cNvPr id="50" name="CaixaDeTexto 49">
-              <a:extLst>
-                <a:ext uri="{FF2B5EF4-FFF2-40B4-BE49-F238E27FC236}">
-                  <a16:creationId xmlns:a16="http://schemas.microsoft.com/office/drawing/2014/main" id="{861951FA-388A-46AA-B295-59402D2FAD56}"/>
-                </a:ext>
-              </a:extLst>
-            </p:cNvPr>
-            <p:cNvSpPr txBox="1"/>
-            <p:nvPr/>
-          </p:nvSpPr>
-          <p:spPr>
-            <a:xfrm>
-              <a:off x="7546686" y="5898050"/>
-              <a:ext cx="1322798" cy="307777"/>
-            </a:xfrm>
-            <a:prstGeom prst="rect">
-              <a:avLst/>
-            </a:prstGeom>
-            <a:noFill/>
-          </p:spPr>
-          <p:txBody>
-            <a:bodyPr wrap="none" rtlCol="0">
-              <a:spAutoFit/>
-            </a:bodyPr>
-            <a:lstStyle/>
-            <a:p>
-              <a:r>
-                <a:rPr lang="pt-BR" sz="1400" dirty="0">
-                  <a:solidFill>
-                    <a:srgbClr val="000000"/>
-                  </a:solidFill>
-                  <a:latin typeface="Barlow (Corpo)"/>
-                </a:rPr>
-                <a:t>S</a:t>
-              </a:r>
-              <a:r>
-                <a:rPr lang="pt-BR" sz="1400" b="0" i="0" dirty="0">
-                  <a:solidFill>
-                    <a:srgbClr val="000000"/>
-                  </a:solidFill>
-                  <a:effectLst/>
-                  <a:latin typeface="Barlow (Corpo)"/>
-                </a:rPr>
-                <a:t>er promovido</a:t>
-              </a:r>
-              <a:endParaRPr lang="pt-BR" sz="1400" dirty="0">
-                <a:latin typeface="Barlow (Corpo)"/>
-              </a:endParaRPr>
-            </a:p>
-          </p:txBody>
-        </p:sp>
-        <p:sp>
-          <p:nvSpPr>
-            <p:cNvPr id="51" name="CaixaDeTexto 50">
-              <a:extLst>
-                <a:ext uri="{FF2B5EF4-FFF2-40B4-BE49-F238E27FC236}">
-                  <a16:creationId xmlns:a16="http://schemas.microsoft.com/office/drawing/2014/main" id="{2F76F59A-A106-4064-A4E2-37CCC52E489E}"/>
-                </a:ext>
-              </a:extLst>
-            </p:cNvPr>
-            <p:cNvSpPr txBox="1"/>
-            <p:nvPr/>
-          </p:nvSpPr>
-          <p:spPr>
-            <a:xfrm>
-              <a:off x="9014289" y="6117988"/>
-              <a:ext cx="628698" cy="307777"/>
-            </a:xfrm>
-            <a:prstGeom prst="rect">
-              <a:avLst/>
-            </a:prstGeom>
-            <a:noFill/>
-          </p:spPr>
-          <p:txBody>
-            <a:bodyPr wrap="none" rtlCol="0">
-              <a:spAutoFit/>
-            </a:bodyPr>
-            <a:lstStyle/>
-            <a:p>
-              <a:r>
-                <a:rPr lang="pt-BR" sz="1400" dirty="0">
-                  <a:solidFill>
-                    <a:srgbClr val="000000"/>
-                  </a:solidFill>
-                  <a:latin typeface="Barlow (Corpo)"/>
-                </a:rPr>
-                <a:t>V</a:t>
-              </a:r>
-              <a:r>
-                <a:rPr lang="pt-BR" sz="1400" b="0" i="0" dirty="0">
-                  <a:solidFill>
-                    <a:srgbClr val="000000"/>
-                  </a:solidFill>
-                  <a:effectLst/>
-                  <a:latin typeface="Barlow (Corpo)"/>
-                </a:rPr>
-                <a:t>iajar</a:t>
-              </a:r>
-              <a:endParaRPr lang="pt-BR" sz="1400" dirty="0">
-                <a:latin typeface="Barlow (Corpo)"/>
-              </a:endParaRPr>
-            </a:p>
-          </p:txBody>
-        </p:sp>
-        <p:sp>
-          <p:nvSpPr>
-            <p:cNvPr id="52" name="CaixaDeTexto 51">
-              <a:extLst>
-                <a:ext uri="{FF2B5EF4-FFF2-40B4-BE49-F238E27FC236}">
-                  <a16:creationId xmlns:a16="http://schemas.microsoft.com/office/drawing/2014/main" id="{340E7E3F-F576-4B26-B029-C207A63FE13B}"/>
-                </a:ext>
-              </a:extLst>
-            </p:cNvPr>
-            <p:cNvSpPr txBox="1"/>
-            <p:nvPr/>
-          </p:nvSpPr>
-          <p:spPr>
-            <a:xfrm>
-              <a:off x="8696119" y="5688709"/>
-              <a:ext cx="1426434" cy="523220"/>
-            </a:xfrm>
-            <a:prstGeom prst="rect">
-              <a:avLst/>
-            </a:prstGeom>
-            <a:noFill/>
-          </p:spPr>
-          <p:txBody>
-            <a:bodyPr wrap="square" rtlCol="0">
-              <a:spAutoFit/>
-            </a:bodyPr>
-            <a:lstStyle/>
-            <a:p>
-              <a:r>
-                <a:rPr lang="pt-BR" sz="1400" dirty="0">
-                  <a:solidFill>
-                    <a:srgbClr val="000000"/>
-                  </a:solidFill>
-                  <a:latin typeface="Barlow (Corpo)"/>
-                </a:rPr>
-                <a:t>E</a:t>
-              </a:r>
-              <a:r>
-                <a:rPr lang="pt-BR" sz="1400" b="0" i="0" dirty="0">
-                  <a:solidFill>
-                    <a:srgbClr val="000000"/>
-                  </a:solidFill>
-                  <a:effectLst/>
-                  <a:latin typeface="Barlow (Corpo)"/>
-                </a:rPr>
-                <a:t>star com a família</a:t>
-              </a:r>
-              <a:endParaRPr lang="pt-BR" sz="1400" dirty="0">
-                <a:latin typeface="Barlow (Corpo)"/>
-              </a:endParaRPr>
-            </a:p>
-          </p:txBody>
-        </p:sp>
-        <p:sp>
-          <p:nvSpPr>
-            <p:cNvPr id="53" name="CaixaDeTexto 52">
-              <a:extLst>
-                <a:ext uri="{FF2B5EF4-FFF2-40B4-BE49-F238E27FC236}">
-                  <a16:creationId xmlns:a16="http://schemas.microsoft.com/office/drawing/2014/main" id="{0CA69DCF-D394-445B-AF66-D7194E7BE543}"/>
-                </a:ext>
-              </a:extLst>
-            </p:cNvPr>
-            <p:cNvSpPr txBox="1"/>
-            <p:nvPr/>
-          </p:nvSpPr>
-          <p:spPr>
-            <a:xfrm>
-              <a:off x="4073538" y="5250109"/>
-              <a:ext cx="2008883" cy="307777"/>
-            </a:xfrm>
-            <a:prstGeom prst="rect">
-              <a:avLst/>
-            </a:prstGeom>
-            <a:noFill/>
-          </p:spPr>
-          <p:txBody>
-            <a:bodyPr wrap="none" rtlCol="0">
-              <a:spAutoFit/>
-            </a:bodyPr>
-            <a:lstStyle/>
-            <a:p>
-              <a:r>
-                <a:rPr lang="pt-BR" sz="1400" dirty="0"/>
-                <a:t>Altos valores de aluguel</a:t>
-              </a:r>
-            </a:p>
-          </p:txBody>
-        </p:sp>
-        <p:sp>
-          <p:nvSpPr>
-            <p:cNvPr id="54" name="CaixaDeTexto 53">
-              <a:extLst>
-                <a:ext uri="{FF2B5EF4-FFF2-40B4-BE49-F238E27FC236}">
-                  <a16:creationId xmlns:a16="http://schemas.microsoft.com/office/drawing/2014/main" id="{DF7C8E18-8B85-4578-87CE-D8616DFA6896}"/>
-                </a:ext>
-              </a:extLst>
-            </p:cNvPr>
-            <p:cNvSpPr txBox="1"/>
-            <p:nvPr/>
-          </p:nvSpPr>
-          <p:spPr>
-            <a:xfrm>
-              <a:off x="2111605" y="5492956"/>
-              <a:ext cx="1678665" cy="307777"/>
-            </a:xfrm>
-            <a:prstGeom prst="rect">
-              <a:avLst/>
-            </a:prstGeom>
-            <a:noFill/>
-          </p:spPr>
-          <p:txBody>
-            <a:bodyPr wrap="none" rtlCol="0">
-              <a:spAutoFit/>
-            </a:bodyPr>
-            <a:lstStyle/>
-            <a:p>
-              <a:r>
-                <a:rPr lang="pt-BR" sz="1400" dirty="0"/>
-                <a:t>Falta de divulgação</a:t>
-              </a:r>
-            </a:p>
-          </p:txBody>
-        </p:sp>
-        <p:sp>
-          <p:nvSpPr>
-            <p:cNvPr id="55" name="CaixaDeTexto 54">
-              <a:extLst>
-                <a:ext uri="{FF2B5EF4-FFF2-40B4-BE49-F238E27FC236}">
-                  <a16:creationId xmlns:a16="http://schemas.microsoft.com/office/drawing/2014/main" id="{296759FE-0F88-483B-9B62-77C80A940A4A}"/>
-                </a:ext>
-              </a:extLst>
-            </p:cNvPr>
-            <p:cNvSpPr txBox="1"/>
-            <p:nvPr/>
-          </p:nvSpPr>
-          <p:spPr>
-            <a:xfrm>
-              <a:off x="2112484" y="5928545"/>
-              <a:ext cx="3196490" cy="461665"/>
+              <a:off x="2428826" y="2357685"/>
+              <a:ext cx="2514904" cy="646331"/>
             </a:xfrm>
             <a:prstGeom prst="rect">
               <a:avLst/>
@@ -5032,17 +4112,17 @@
             <a:p>
               <a:r>
                 <a:rPr lang="pt-BR" sz="1200" dirty="0"/>
-                <a:t>Encontrar moradia com preços acessíveis em uma boa localização</a:t>
+                <a:t>Canais de planejamento financeiro para ter um controle melhor de suas finanças</a:t>
               </a:r>
             </a:p>
           </p:txBody>
         </p:sp>
         <p:sp>
           <p:nvSpPr>
-            <p:cNvPr id="56" name="CaixaDeTexto 55">
+            <p:cNvPr id="6" name="CaixaDeTexto 5">
               <a:extLst>
                 <a:ext uri="{FF2B5EF4-FFF2-40B4-BE49-F238E27FC236}">
-                  <a16:creationId xmlns:a16="http://schemas.microsoft.com/office/drawing/2014/main" id="{CB7A01A5-6CD8-4843-831C-6116ED18D0E8}"/>
+                  <a16:creationId xmlns:a16="http://schemas.microsoft.com/office/drawing/2014/main" id="{34490B30-FDE5-412D-B00C-DFE7C2FB63A9}"/>
                 </a:ext>
               </a:extLst>
             </p:cNvPr>
@@ -5051,8 +4131,8 @@
           </p:nvSpPr>
           <p:spPr>
             <a:xfrm>
-              <a:off x="3835508" y="5435879"/>
-              <a:ext cx="1903085" cy="307777"/>
+              <a:off x="1735396" y="1543400"/>
+              <a:ext cx="1894423" cy="830997"/>
             </a:xfrm>
             <a:prstGeom prst="rect">
               <a:avLst/>
@@ -5060,49 +4140,14 @@
             <a:noFill/>
           </p:spPr>
           <p:txBody>
-            <a:bodyPr wrap="none" rtlCol="0">
+            <a:bodyPr wrap="square" rtlCol="0">
               <a:spAutoFit/>
             </a:bodyPr>
             <a:lstStyle/>
             <a:p>
               <a:r>
-                <a:rPr lang="pt-BR" sz="1400" dirty="0"/>
-                <a:t>Condições da moradia</a:t>
-              </a:r>
-            </a:p>
-          </p:txBody>
-        </p:sp>
-        <p:sp>
-          <p:nvSpPr>
-            <p:cNvPr id="57" name="CaixaDeTexto 56">
-              <a:extLst>
-                <a:ext uri="{FF2B5EF4-FFF2-40B4-BE49-F238E27FC236}">
-                  <a16:creationId xmlns:a16="http://schemas.microsoft.com/office/drawing/2014/main" id="{EAB76F6F-B880-4141-A0FB-19D1BC01234B}"/>
-                </a:ext>
-              </a:extLst>
-            </p:cNvPr>
-            <p:cNvSpPr txBox="1"/>
-            <p:nvPr/>
-          </p:nvSpPr>
-          <p:spPr>
-            <a:xfrm>
-              <a:off x="2130176" y="5737512"/>
-              <a:ext cx="3602268" cy="307777"/>
-            </a:xfrm>
-            <a:prstGeom prst="rect">
-              <a:avLst/>
-            </a:prstGeom>
-            <a:noFill/>
-          </p:spPr>
-          <p:txBody>
-            <a:bodyPr wrap="none" rtlCol="0">
-              <a:spAutoFit/>
-            </a:bodyPr>
-            <a:lstStyle/>
-            <a:p>
-              <a:r>
-                <a:rPr lang="pt-BR" sz="1400" dirty="0"/>
-                <a:t>Dificuldade em encontrar anúncios de casas</a:t>
+                <a:rPr lang="pt-BR" sz="1200" dirty="0"/>
+                <a:t>Sobre atitudes melhores que poderia ter tomado em certas situações, tanto profissional quanto pessoal</a:t>
               </a:r>
             </a:p>
           </p:txBody>
@@ -5110,10 +4155,10 @@
       </p:grpSp>
       <p:sp>
         <p:nvSpPr>
-          <p:cNvPr id="58" name="CaixaDeTexto 57">
-            <a:extLst>
-              <a:ext uri="{FF2B5EF4-FFF2-40B4-BE49-F238E27FC236}">
-                <a16:creationId xmlns:a16="http://schemas.microsoft.com/office/drawing/2014/main" id="{08BED18B-F8F0-41AC-BCA6-C67B1C187EF8}"/>
+          <p:cNvPr id="61" name="CaixaDeTexto 60">
+            <a:extLst>
+              <a:ext uri="{FF2B5EF4-FFF2-40B4-BE49-F238E27FC236}">
+                <a16:creationId xmlns:a16="http://schemas.microsoft.com/office/drawing/2014/main" id="{4CAB0088-1C2F-4780-BF86-3B9394333607}"/>
               </a:ext>
             </a:extLst>
           </p:cNvPr>
@@ -5122,8 +4167,8 @@
         </p:nvSpPr>
         <p:spPr>
           <a:xfrm>
-            <a:off x="2193646" y="211178"/>
-            <a:ext cx="6230656" cy="646331"/>
+            <a:off x="4295187" y="1594116"/>
+            <a:ext cx="2183459" cy="523220"/>
           </a:xfrm>
           <a:prstGeom prst="rect">
             <a:avLst/>
@@ -5131,18 +4176,342 @@
           <a:noFill/>
         </p:spPr>
         <p:txBody>
+          <a:bodyPr wrap="square">
+            <a:spAutoFit/>
+          </a:bodyPr>
+          <a:lstStyle/>
+          <a:p>
+            <a:r>
+              <a:rPr lang="pt-BR" sz="1400" dirty="0"/>
+              <a:t>Pensa em aprender inglês e se sente sobrecarregado.</a:t>
+            </a:r>
+          </a:p>
+        </p:txBody>
+      </p:sp>
+      <p:sp>
+        <p:nvSpPr>
+          <p:cNvPr id="62" name="CaixaDeTexto 61">
+            <a:extLst>
+              <a:ext uri="{FF2B5EF4-FFF2-40B4-BE49-F238E27FC236}">
+                <a16:creationId xmlns:a16="http://schemas.microsoft.com/office/drawing/2014/main" id="{10F435F7-F35F-4FDB-B5F3-F67043BB5489}"/>
+              </a:ext>
+            </a:extLst>
+          </p:cNvPr>
+          <p:cNvSpPr txBox="1"/>
+          <p:nvPr/>
+        </p:nvSpPr>
+        <p:spPr>
+          <a:xfrm>
+            <a:off x="6052284" y="840266"/>
+            <a:ext cx="2183459" cy="738664"/>
+          </a:xfrm>
+          <a:prstGeom prst="rect">
+            <a:avLst/>
+          </a:prstGeom>
+          <a:noFill/>
+        </p:spPr>
+        <p:txBody>
+          <a:bodyPr wrap="square">
+            <a:spAutoFit/>
+          </a:bodyPr>
+          <a:lstStyle/>
+          <a:p>
+            <a:r>
+              <a:rPr lang="pt-BR" sz="1400" dirty="0"/>
+              <a:t>Pensa em crescer profissionalmente e se sente preparado.</a:t>
+            </a:r>
+          </a:p>
+        </p:txBody>
+      </p:sp>
+      <p:sp>
+        <p:nvSpPr>
+          <p:cNvPr id="63" name="CaixaDeTexto 62">
+            <a:extLst>
+              <a:ext uri="{FF2B5EF4-FFF2-40B4-BE49-F238E27FC236}">
+                <a16:creationId xmlns:a16="http://schemas.microsoft.com/office/drawing/2014/main" id="{A85159C5-66FB-4781-9D3D-E843A160CE9C}"/>
+              </a:ext>
+            </a:extLst>
+          </p:cNvPr>
+          <p:cNvSpPr txBox="1"/>
+          <p:nvPr/>
+        </p:nvSpPr>
+        <p:spPr>
+          <a:xfrm>
+            <a:off x="7040708" y="1498589"/>
+            <a:ext cx="2183459" cy="523220"/>
+          </a:xfrm>
+          <a:prstGeom prst="rect">
+            <a:avLst/>
+          </a:prstGeom>
+          <a:noFill/>
+        </p:spPr>
+        <p:txBody>
+          <a:bodyPr wrap="square">
+            <a:spAutoFit/>
+          </a:bodyPr>
+          <a:lstStyle/>
+          <a:p>
+            <a:r>
+              <a:rPr lang="pt-BR" sz="1400" dirty="0"/>
+              <a:t>Pensa em praticar natação e se sente fora de forma.</a:t>
+            </a:r>
+          </a:p>
+        </p:txBody>
+      </p:sp>
+      <p:sp>
+        <p:nvSpPr>
+          <p:cNvPr id="64" name="CaixaDeTexto 63">
+            <a:extLst>
+              <a:ext uri="{FF2B5EF4-FFF2-40B4-BE49-F238E27FC236}">
+                <a16:creationId xmlns:a16="http://schemas.microsoft.com/office/drawing/2014/main" id="{37A75128-6DA0-451E-ABBA-417D5828FBA1}"/>
+              </a:ext>
+            </a:extLst>
+          </p:cNvPr>
+          <p:cNvSpPr txBox="1"/>
+          <p:nvPr/>
+        </p:nvSpPr>
+        <p:spPr>
+          <a:xfrm>
+            <a:off x="1693355" y="5643975"/>
+            <a:ext cx="4728685" cy="954107"/>
+          </a:xfrm>
+          <a:prstGeom prst="rect">
+            <a:avLst/>
+          </a:prstGeom>
+          <a:noFill/>
+        </p:spPr>
+        <p:txBody>
+          <a:bodyPr wrap="square">
+            <a:spAutoFit/>
+          </a:bodyPr>
+          <a:lstStyle/>
+          <a:p>
+            <a:r>
+              <a:rPr lang="pt-BR" sz="1400" dirty="0"/>
+              <a:t>Dificuldade em conciliar o tempo de trabalho como freelancer e os estudos na faculdade.</a:t>
+            </a:r>
+          </a:p>
+          <a:p>
+            <a:r>
+              <a:rPr lang="pt-BR" sz="1400" dirty="0"/>
+              <a:t>Morar com os pais.</a:t>
+            </a:r>
+          </a:p>
+          <a:p>
+            <a:r>
+              <a:rPr lang="pt-BR" sz="1400" dirty="0"/>
+              <a:t>Tempo extenso para chegar no trabalho e na faculdade.</a:t>
+            </a:r>
+          </a:p>
+        </p:txBody>
+      </p:sp>
+      <p:sp>
+        <p:nvSpPr>
+          <p:cNvPr id="9" name="CaixaDeTexto 8">
+            <a:extLst>
+              <a:ext uri="{FF2B5EF4-FFF2-40B4-BE49-F238E27FC236}">
+                <a16:creationId xmlns:a16="http://schemas.microsoft.com/office/drawing/2014/main" id="{7BFFF66D-E0D9-4CF1-8555-BF1829905146}"/>
+              </a:ext>
+            </a:extLst>
+          </p:cNvPr>
+          <p:cNvSpPr txBox="1"/>
+          <p:nvPr/>
+        </p:nvSpPr>
+        <p:spPr>
+          <a:xfrm>
+            <a:off x="7113656" y="4241797"/>
+            <a:ext cx="1463455" cy="523220"/>
+          </a:xfrm>
+          <a:prstGeom prst="rect">
+            <a:avLst/>
+          </a:prstGeom>
+          <a:noFill/>
+        </p:spPr>
+        <p:txBody>
           <a:bodyPr wrap="square" rtlCol="0">
             <a:spAutoFit/>
           </a:bodyPr>
           <a:lstStyle/>
           <a:p>
             <a:r>
-              <a:rPr lang="pt-BR" dirty="0"/>
-              <a:t>Mapa de empatia</a:t>
-            </a:r>
-          </a:p>
-          <a:p>
-            <a:endParaRPr lang="pt-BR" dirty="0"/>
+              <a:rPr lang="pt-BR" sz="1400" dirty="0"/>
+              <a:t>Faz faculdade de marketing </a:t>
+            </a:r>
+          </a:p>
+        </p:txBody>
+      </p:sp>
+      <p:sp>
+        <p:nvSpPr>
+          <p:cNvPr id="10" name="CaixaDeTexto 9">
+            <a:extLst>
+              <a:ext uri="{FF2B5EF4-FFF2-40B4-BE49-F238E27FC236}">
+                <a16:creationId xmlns:a16="http://schemas.microsoft.com/office/drawing/2014/main" id="{4F00074A-0283-4E2B-842D-588E23CF4E05}"/>
+              </a:ext>
+            </a:extLst>
+          </p:cNvPr>
+          <p:cNvSpPr txBox="1"/>
+          <p:nvPr/>
+        </p:nvSpPr>
+        <p:spPr>
+          <a:xfrm>
+            <a:off x="8272839" y="4810178"/>
+            <a:ext cx="1902656" cy="523220"/>
+          </a:xfrm>
+          <a:prstGeom prst="rect">
+            <a:avLst/>
+          </a:prstGeom>
+          <a:noFill/>
+        </p:spPr>
+        <p:txBody>
+          <a:bodyPr wrap="square" rtlCol="0">
+            <a:spAutoFit/>
+          </a:bodyPr>
+          <a:lstStyle/>
+          <a:p>
+            <a:r>
+              <a:rPr lang="pt-BR" sz="1400" dirty="0"/>
+              <a:t>Fala sobre series, festas e musicas.</a:t>
+            </a:r>
+          </a:p>
+        </p:txBody>
+      </p:sp>
+      <p:sp>
+        <p:nvSpPr>
+          <p:cNvPr id="11" name="CaixaDeTexto 10">
+            <a:extLst>
+              <a:ext uri="{FF2B5EF4-FFF2-40B4-BE49-F238E27FC236}">
+                <a16:creationId xmlns:a16="http://schemas.microsoft.com/office/drawing/2014/main" id="{BC94A741-2607-498D-8853-2E7F77211E26}"/>
+              </a:ext>
+            </a:extLst>
+          </p:cNvPr>
+          <p:cNvSpPr txBox="1"/>
+          <p:nvPr/>
+        </p:nvSpPr>
+        <p:spPr>
+          <a:xfrm>
+            <a:off x="3905990" y="4333149"/>
+            <a:ext cx="1687739" cy="307777"/>
+          </a:xfrm>
+          <a:prstGeom prst="rect">
+            <a:avLst/>
+          </a:prstGeom>
+          <a:noFill/>
+        </p:spPr>
+        <p:txBody>
+          <a:bodyPr wrap="square" rtlCol="0">
+            <a:spAutoFit/>
+          </a:bodyPr>
+          <a:lstStyle/>
+          <a:p>
+            <a:r>
+              <a:rPr lang="pt-BR" sz="1400" dirty="0"/>
+              <a:t>Fala sobre os sonhos</a:t>
+            </a:r>
+          </a:p>
+        </p:txBody>
+      </p:sp>
+      <p:sp>
+        <p:nvSpPr>
+          <p:cNvPr id="65" name="CaixaDeTexto 64">
+            <a:extLst>
+              <a:ext uri="{FF2B5EF4-FFF2-40B4-BE49-F238E27FC236}">
+                <a16:creationId xmlns:a16="http://schemas.microsoft.com/office/drawing/2014/main" id="{C4C54B31-32DF-4CCE-BB87-1678820E0A45}"/>
+              </a:ext>
+            </a:extLst>
+          </p:cNvPr>
+          <p:cNvSpPr txBox="1"/>
+          <p:nvPr/>
+        </p:nvSpPr>
+        <p:spPr>
+          <a:xfrm>
+            <a:off x="3004465" y="4688795"/>
+            <a:ext cx="1687739" cy="738664"/>
+          </a:xfrm>
+          <a:prstGeom prst="rect">
+            <a:avLst/>
+          </a:prstGeom>
+          <a:noFill/>
+        </p:spPr>
+        <p:txBody>
+          <a:bodyPr wrap="square" rtlCol="0">
+            <a:spAutoFit/>
+          </a:bodyPr>
+          <a:lstStyle/>
+          <a:p>
+            <a:r>
+              <a:rPr lang="pt-BR" sz="1400" dirty="0"/>
+              <a:t>Faz conteúdo sobre vendas para as redes sociais</a:t>
+            </a:r>
+          </a:p>
+        </p:txBody>
+      </p:sp>
+      <p:sp>
+        <p:nvSpPr>
+          <p:cNvPr id="66" name="CaixaDeTexto 65">
+            <a:extLst>
+              <a:ext uri="{FF2B5EF4-FFF2-40B4-BE49-F238E27FC236}">
+                <a16:creationId xmlns:a16="http://schemas.microsoft.com/office/drawing/2014/main" id="{144A2C57-73DA-4010-B516-F0583C99F044}"/>
+              </a:ext>
+            </a:extLst>
+          </p:cNvPr>
+          <p:cNvSpPr txBox="1"/>
+          <p:nvPr/>
+        </p:nvSpPr>
+        <p:spPr>
+          <a:xfrm>
+            <a:off x="4589848" y="4810178"/>
+            <a:ext cx="1687739" cy="523220"/>
+          </a:xfrm>
+          <a:prstGeom prst="rect">
+            <a:avLst/>
+          </a:prstGeom>
+          <a:noFill/>
+        </p:spPr>
+        <p:txBody>
+          <a:bodyPr wrap="square" rtlCol="0">
+            <a:spAutoFit/>
+          </a:bodyPr>
+          <a:lstStyle/>
+          <a:p>
+            <a:r>
+              <a:rPr lang="pt-BR" sz="1400" dirty="0"/>
+              <a:t>Fala da sua semana para os amigos.</a:t>
+            </a:r>
+          </a:p>
+        </p:txBody>
+      </p:sp>
+      <p:sp>
+        <p:nvSpPr>
+          <p:cNvPr id="67" name="CaixaDeTexto 66">
+            <a:extLst>
+              <a:ext uri="{FF2B5EF4-FFF2-40B4-BE49-F238E27FC236}">
+                <a16:creationId xmlns:a16="http://schemas.microsoft.com/office/drawing/2014/main" id="{3AA9E6AF-E2C8-4F60-A62B-BE19EF2F4923}"/>
+              </a:ext>
+            </a:extLst>
+          </p:cNvPr>
+          <p:cNvSpPr txBox="1"/>
+          <p:nvPr/>
+        </p:nvSpPr>
+        <p:spPr>
+          <a:xfrm>
+            <a:off x="6343345" y="4789043"/>
+            <a:ext cx="1687739" cy="523220"/>
+          </a:xfrm>
+          <a:prstGeom prst="rect">
+            <a:avLst/>
+          </a:prstGeom>
+          <a:noFill/>
+        </p:spPr>
+        <p:txBody>
+          <a:bodyPr wrap="square" rtlCol="0">
+            <a:spAutoFit/>
+          </a:bodyPr>
+          <a:lstStyle/>
+          <a:p>
+            <a:r>
+              <a:rPr lang="pt-BR" sz="1400" dirty="0"/>
+              <a:t>Faz eventos para festas</a:t>
+            </a:r>
           </a:p>
         </p:txBody>
       </p:sp>
